--- a/IoT Lab.pptx
+++ b/IoT Lab.pptx
@@ -4,21 +4,26 @@
   <p:sldMasterIdLst>
     <p:sldMasterId id="2147483648" r:id="rId1"/>
   </p:sldMasterIdLst>
+  <p:notesMasterIdLst>
+    <p:notesMasterId r:id="rId18"/>
+  </p:notesMasterIdLst>
   <p:sldIdLst>
     <p:sldId id="256" r:id="rId2"/>
     <p:sldId id="258" r:id="rId3"/>
     <p:sldId id="260" r:id="rId4"/>
-    <p:sldId id="259" r:id="rId5"/>
-    <p:sldId id="262" r:id="rId6"/>
-    <p:sldId id="261" r:id="rId7"/>
-    <p:sldId id="263" r:id="rId8"/>
-    <p:sldId id="265" r:id="rId9"/>
-    <p:sldId id="267" r:id="rId10"/>
-    <p:sldId id="264" r:id="rId11"/>
-    <p:sldId id="266" r:id="rId12"/>
-    <p:sldId id="268" r:id="rId13"/>
-    <p:sldId id="269" r:id="rId14"/>
-    <p:sldId id="270" r:id="rId15"/>
+    <p:sldId id="272" r:id="rId5"/>
+    <p:sldId id="259" r:id="rId6"/>
+    <p:sldId id="262" r:id="rId7"/>
+    <p:sldId id="261" r:id="rId8"/>
+    <p:sldId id="263" r:id="rId9"/>
+    <p:sldId id="265" r:id="rId10"/>
+    <p:sldId id="267" r:id="rId11"/>
+    <p:sldId id="264" r:id="rId12"/>
+    <p:sldId id="271" r:id="rId13"/>
+    <p:sldId id="266" r:id="rId14"/>
+    <p:sldId id="268" r:id="rId15"/>
+    <p:sldId id="269" r:id="rId16"/>
+    <p:sldId id="270" r:id="rId17"/>
   </p:sldIdLst>
   <p:sldSz cx="12192000" cy="6858000"/>
   <p:notesSz cx="6858000" cy="9144000"/>
@@ -125,6 +130,616 @@
 </p:presentation>
 </file>
 
+<file path=ppt/notesMasters/notesMaster1.xml><?xml version="1.0" encoding="utf-8"?>
+<p:notesMaster xmlns:a="http://schemas.openxmlformats.org/drawingml/2006/main" xmlns:r="http://schemas.openxmlformats.org/officeDocument/2006/relationships" xmlns:p="http://schemas.openxmlformats.org/presentationml/2006/main">
+  <p:cSld>
+    <p:bg>
+      <p:bgRef idx="1001">
+        <a:schemeClr val="bg1"/>
+      </p:bgRef>
+    </p:bg>
+    <p:spTree>
+      <p:nvGrpSpPr>
+        <p:cNvPr id="1" name=""/>
+        <p:cNvGrpSpPr/>
+        <p:nvPr/>
+      </p:nvGrpSpPr>
+      <p:grpSpPr>
+        <a:xfrm>
+          <a:off x="0" y="0"/>
+          <a:ext cx="0" cy="0"/>
+          <a:chOff x="0" y="0"/>
+          <a:chExt cx="0" cy="0"/>
+        </a:xfrm>
+      </p:grpSpPr>
+      <p:sp>
+        <p:nvSpPr>
+          <p:cNvPr id="2" name="Header Placeholder 1"/>
+          <p:cNvSpPr>
+            <a:spLocks noGrp="1"/>
+          </p:cNvSpPr>
+          <p:nvPr>
+            <p:ph type="hdr" sz="quarter"/>
+          </p:nvPr>
+        </p:nvSpPr>
+        <p:spPr>
+          <a:xfrm>
+            <a:off x="0" y="0"/>
+            <a:ext cx="2971800" cy="458788"/>
+          </a:xfrm>
+          <a:prstGeom prst="rect">
+            <a:avLst/>
+          </a:prstGeom>
+        </p:spPr>
+        <p:txBody>
+          <a:bodyPr vert="horz" lIns="91440" tIns="45720" rIns="91440" bIns="45720" rtlCol="0"/>
+          <a:lstStyle>
+            <a:lvl1pPr algn="l">
+              <a:defRPr sz="1200"/>
+            </a:lvl1pPr>
+          </a:lstStyle>
+          <a:p>
+            <a:endParaRPr lang="it-IT"/>
+          </a:p>
+        </p:txBody>
+      </p:sp>
+      <p:sp>
+        <p:nvSpPr>
+          <p:cNvPr id="3" name="Date Placeholder 2"/>
+          <p:cNvSpPr>
+            <a:spLocks noGrp="1"/>
+          </p:cNvSpPr>
+          <p:nvPr>
+            <p:ph type="dt" idx="1"/>
+          </p:nvPr>
+        </p:nvSpPr>
+        <p:spPr>
+          <a:xfrm>
+            <a:off x="3884613" y="0"/>
+            <a:ext cx="2971800" cy="458788"/>
+          </a:xfrm>
+          <a:prstGeom prst="rect">
+            <a:avLst/>
+          </a:prstGeom>
+        </p:spPr>
+        <p:txBody>
+          <a:bodyPr vert="horz" lIns="91440" tIns="45720" rIns="91440" bIns="45720" rtlCol="0"/>
+          <a:lstStyle>
+            <a:lvl1pPr algn="r">
+              <a:defRPr sz="1200"/>
+            </a:lvl1pPr>
+          </a:lstStyle>
+          <a:p>
+            <a:fld id="{C0D264F9-6F87-4B16-9E38-AC7A0E101EBC}" type="datetimeFigureOut">
+              <a:rPr lang="it-IT" smtClean="0"/>
+              <a:t>10/08/2018</a:t>
+            </a:fld>
+            <a:endParaRPr lang="it-IT"/>
+          </a:p>
+        </p:txBody>
+      </p:sp>
+      <p:sp>
+        <p:nvSpPr>
+          <p:cNvPr id="4" name="Slide Image Placeholder 3"/>
+          <p:cNvSpPr>
+            <a:spLocks noGrp="1" noRot="1" noChangeAspect="1"/>
+          </p:cNvSpPr>
+          <p:nvPr>
+            <p:ph type="sldImg" idx="2"/>
+          </p:nvPr>
+        </p:nvSpPr>
+        <p:spPr>
+          <a:xfrm>
+            <a:off x="685800" y="1143000"/>
+            <a:ext cx="5486400" cy="3086100"/>
+          </a:xfrm>
+          <a:prstGeom prst="rect">
+            <a:avLst/>
+          </a:prstGeom>
+          <a:noFill/>
+          <a:ln w="12700">
+            <a:solidFill>
+              <a:prstClr val="black"/>
+            </a:solidFill>
+          </a:ln>
+        </p:spPr>
+        <p:txBody>
+          <a:bodyPr vert="horz" lIns="91440" tIns="45720" rIns="91440" bIns="45720" rtlCol="0" anchor="ctr"/>
+          <a:lstStyle/>
+          <a:p>
+            <a:endParaRPr lang="it-IT"/>
+          </a:p>
+        </p:txBody>
+      </p:sp>
+      <p:sp>
+        <p:nvSpPr>
+          <p:cNvPr id="5" name="Notes Placeholder 4"/>
+          <p:cNvSpPr>
+            <a:spLocks noGrp="1"/>
+          </p:cNvSpPr>
+          <p:nvPr>
+            <p:ph type="body" sz="quarter" idx="3"/>
+          </p:nvPr>
+        </p:nvSpPr>
+        <p:spPr>
+          <a:xfrm>
+            <a:off x="685800" y="4400550"/>
+            <a:ext cx="5486400" cy="3600450"/>
+          </a:xfrm>
+          <a:prstGeom prst="rect">
+            <a:avLst/>
+          </a:prstGeom>
+        </p:spPr>
+        <p:txBody>
+          <a:bodyPr vert="horz" lIns="91440" tIns="45720" rIns="91440" bIns="45720" rtlCol="0"/>
+          <a:lstStyle/>
+          <a:p>
+            <a:pPr lvl="0"/>
+            <a:r>
+              <a:rPr lang="en-US" smtClean="0"/>
+              <a:t>Edit Master text styles</a:t>
+            </a:r>
+          </a:p>
+          <a:p>
+            <a:pPr lvl="1"/>
+            <a:r>
+              <a:rPr lang="en-US" smtClean="0"/>
+              <a:t>Second level</a:t>
+            </a:r>
+          </a:p>
+          <a:p>
+            <a:pPr lvl="2"/>
+            <a:r>
+              <a:rPr lang="en-US" smtClean="0"/>
+              <a:t>Third level</a:t>
+            </a:r>
+          </a:p>
+          <a:p>
+            <a:pPr lvl="3"/>
+            <a:r>
+              <a:rPr lang="en-US" smtClean="0"/>
+              <a:t>Fourth level</a:t>
+            </a:r>
+          </a:p>
+          <a:p>
+            <a:pPr lvl="4"/>
+            <a:r>
+              <a:rPr lang="en-US" smtClean="0"/>
+              <a:t>Fifth level</a:t>
+            </a:r>
+            <a:endParaRPr lang="it-IT"/>
+          </a:p>
+        </p:txBody>
+      </p:sp>
+      <p:sp>
+        <p:nvSpPr>
+          <p:cNvPr id="6" name="Footer Placeholder 5"/>
+          <p:cNvSpPr>
+            <a:spLocks noGrp="1"/>
+          </p:cNvSpPr>
+          <p:nvPr>
+            <p:ph type="ftr" sz="quarter" idx="4"/>
+          </p:nvPr>
+        </p:nvSpPr>
+        <p:spPr>
+          <a:xfrm>
+            <a:off x="0" y="8685213"/>
+            <a:ext cx="2971800" cy="458787"/>
+          </a:xfrm>
+          <a:prstGeom prst="rect">
+            <a:avLst/>
+          </a:prstGeom>
+        </p:spPr>
+        <p:txBody>
+          <a:bodyPr vert="horz" lIns="91440" tIns="45720" rIns="91440" bIns="45720" rtlCol="0" anchor="b"/>
+          <a:lstStyle>
+            <a:lvl1pPr algn="l">
+              <a:defRPr sz="1200"/>
+            </a:lvl1pPr>
+          </a:lstStyle>
+          <a:p>
+            <a:endParaRPr lang="it-IT"/>
+          </a:p>
+        </p:txBody>
+      </p:sp>
+      <p:sp>
+        <p:nvSpPr>
+          <p:cNvPr id="7" name="Slide Number Placeholder 6"/>
+          <p:cNvSpPr>
+            <a:spLocks noGrp="1"/>
+          </p:cNvSpPr>
+          <p:nvPr>
+            <p:ph type="sldNum" sz="quarter" idx="5"/>
+          </p:nvPr>
+        </p:nvSpPr>
+        <p:spPr>
+          <a:xfrm>
+            <a:off x="3884613" y="8685213"/>
+            <a:ext cx="2971800" cy="458787"/>
+          </a:xfrm>
+          <a:prstGeom prst="rect">
+            <a:avLst/>
+          </a:prstGeom>
+        </p:spPr>
+        <p:txBody>
+          <a:bodyPr vert="horz" lIns="91440" tIns="45720" rIns="91440" bIns="45720" rtlCol="0" anchor="b"/>
+          <a:lstStyle>
+            <a:lvl1pPr algn="r">
+              <a:defRPr sz="1200"/>
+            </a:lvl1pPr>
+          </a:lstStyle>
+          <a:p>
+            <a:fld id="{FFB2A5BA-5E88-4658-88FC-18E6CAE940B5}" type="slidenum">
+              <a:rPr lang="it-IT" smtClean="0"/>
+              <a:t>‹#›</a:t>
+            </a:fld>
+            <a:endParaRPr lang="it-IT"/>
+          </a:p>
+        </p:txBody>
+      </p:sp>
+    </p:spTree>
+    <p:extLst>
+      <p:ext uri="{BB962C8B-B14F-4D97-AF65-F5344CB8AC3E}">
+        <p14:creationId xmlns:p14="http://schemas.microsoft.com/office/powerpoint/2010/main" val="1449567995"/>
+      </p:ext>
+    </p:extLst>
+  </p:cSld>
+  <p:clrMap bg1="lt1" tx1="dk1" bg2="lt2" tx2="dk2" accent1="accent1" accent2="accent2" accent3="accent3" accent4="accent4" accent5="accent5" accent6="accent6" hlink="hlink" folHlink="folHlink"/>
+  <p:notesStyle>
+    <a:lvl1pPr marL="0" algn="l" defTabSz="914400" rtl="0" eaLnBrk="1" latinLnBrk="0" hangingPunct="1">
+      <a:defRPr sz="1200" kern="1200">
+        <a:solidFill>
+          <a:schemeClr val="tx1"/>
+        </a:solidFill>
+        <a:latin typeface="+mn-lt"/>
+        <a:ea typeface="+mn-ea"/>
+        <a:cs typeface="+mn-cs"/>
+      </a:defRPr>
+    </a:lvl1pPr>
+    <a:lvl2pPr marL="457200" algn="l" defTabSz="914400" rtl="0" eaLnBrk="1" latinLnBrk="0" hangingPunct="1">
+      <a:defRPr sz="1200" kern="1200">
+        <a:solidFill>
+          <a:schemeClr val="tx1"/>
+        </a:solidFill>
+        <a:latin typeface="+mn-lt"/>
+        <a:ea typeface="+mn-ea"/>
+        <a:cs typeface="+mn-cs"/>
+      </a:defRPr>
+    </a:lvl2pPr>
+    <a:lvl3pPr marL="914400" algn="l" defTabSz="914400" rtl="0" eaLnBrk="1" latinLnBrk="0" hangingPunct="1">
+      <a:defRPr sz="1200" kern="1200">
+        <a:solidFill>
+          <a:schemeClr val="tx1"/>
+        </a:solidFill>
+        <a:latin typeface="+mn-lt"/>
+        <a:ea typeface="+mn-ea"/>
+        <a:cs typeface="+mn-cs"/>
+      </a:defRPr>
+    </a:lvl3pPr>
+    <a:lvl4pPr marL="1371600" algn="l" defTabSz="914400" rtl="0" eaLnBrk="1" latinLnBrk="0" hangingPunct="1">
+      <a:defRPr sz="1200" kern="1200">
+        <a:solidFill>
+          <a:schemeClr val="tx1"/>
+        </a:solidFill>
+        <a:latin typeface="+mn-lt"/>
+        <a:ea typeface="+mn-ea"/>
+        <a:cs typeface="+mn-cs"/>
+      </a:defRPr>
+    </a:lvl4pPr>
+    <a:lvl5pPr marL="1828800" algn="l" defTabSz="914400" rtl="0" eaLnBrk="1" latinLnBrk="0" hangingPunct="1">
+      <a:defRPr sz="1200" kern="1200">
+        <a:solidFill>
+          <a:schemeClr val="tx1"/>
+        </a:solidFill>
+        <a:latin typeface="+mn-lt"/>
+        <a:ea typeface="+mn-ea"/>
+        <a:cs typeface="+mn-cs"/>
+      </a:defRPr>
+    </a:lvl5pPr>
+    <a:lvl6pPr marL="2286000" algn="l" defTabSz="914400" rtl="0" eaLnBrk="1" latinLnBrk="0" hangingPunct="1">
+      <a:defRPr sz="1200" kern="1200">
+        <a:solidFill>
+          <a:schemeClr val="tx1"/>
+        </a:solidFill>
+        <a:latin typeface="+mn-lt"/>
+        <a:ea typeface="+mn-ea"/>
+        <a:cs typeface="+mn-cs"/>
+      </a:defRPr>
+    </a:lvl6pPr>
+    <a:lvl7pPr marL="2743200" algn="l" defTabSz="914400" rtl="0" eaLnBrk="1" latinLnBrk="0" hangingPunct="1">
+      <a:defRPr sz="1200" kern="1200">
+        <a:solidFill>
+          <a:schemeClr val="tx1"/>
+        </a:solidFill>
+        <a:latin typeface="+mn-lt"/>
+        <a:ea typeface="+mn-ea"/>
+        <a:cs typeface="+mn-cs"/>
+      </a:defRPr>
+    </a:lvl7pPr>
+    <a:lvl8pPr marL="3200400" algn="l" defTabSz="914400" rtl="0" eaLnBrk="1" latinLnBrk="0" hangingPunct="1">
+      <a:defRPr sz="1200" kern="1200">
+        <a:solidFill>
+          <a:schemeClr val="tx1"/>
+        </a:solidFill>
+        <a:latin typeface="+mn-lt"/>
+        <a:ea typeface="+mn-ea"/>
+        <a:cs typeface="+mn-cs"/>
+      </a:defRPr>
+    </a:lvl8pPr>
+    <a:lvl9pPr marL="3657600" algn="l" defTabSz="914400" rtl="0" eaLnBrk="1" latinLnBrk="0" hangingPunct="1">
+      <a:defRPr sz="1200" kern="1200">
+        <a:solidFill>
+          <a:schemeClr val="tx1"/>
+        </a:solidFill>
+        <a:latin typeface="+mn-lt"/>
+        <a:ea typeface="+mn-ea"/>
+        <a:cs typeface="+mn-cs"/>
+      </a:defRPr>
+    </a:lvl9pPr>
+  </p:notesStyle>
+</p:notesMaster>
+</file>
+
+<file path=ppt/notesSlides/notesSlide1.xml><?xml version="1.0" encoding="utf-8"?>
+<p:notes xmlns:a="http://schemas.openxmlformats.org/drawingml/2006/main" xmlns:r="http://schemas.openxmlformats.org/officeDocument/2006/relationships" xmlns:p="http://schemas.openxmlformats.org/presentationml/2006/main">
+  <p:cSld>
+    <p:spTree>
+      <p:nvGrpSpPr>
+        <p:cNvPr id="1" name=""/>
+        <p:cNvGrpSpPr/>
+        <p:nvPr/>
+      </p:nvGrpSpPr>
+      <p:grpSpPr>
+        <a:xfrm>
+          <a:off x="0" y="0"/>
+          <a:ext cx="0" cy="0"/>
+          <a:chOff x="0" y="0"/>
+          <a:chExt cx="0" cy="0"/>
+        </a:xfrm>
+      </p:grpSpPr>
+      <p:sp>
+        <p:nvSpPr>
+          <p:cNvPr id="2" name="Slide Image Placeholder 1"/>
+          <p:cNvSpPr>
+            <a:spLocks noGrp="1" noRot="1" noChangeAspect="1"/>
+          </p:cNvSpPr>
+          <p:nvPr>
+            <p:ph type="sldImg"/>
+          </p:nvPr>
+        </p:nvSpPr>
+        <p:spPr/>
+      </p:sp>
+      <p:sp>
+        <p:nvSpPr>
+          <p:cNvPr id="3" name="Notes Placeholder 2"/>
+          <p:cNvSpPr>
+            <a:spLocks noGrp="1"/>
+          </p:cNvSpPr>
+          <p:nvPr>
+            <p:ph type="body" idx="1"/>
+          </p:nvPr>
+        </p:nvSpPr>
+        <p:spPr/>
+        <p:txBody>
+          <a:bodyPr/>
+          <a:lstStyle/>
+          <a:p>
+            <a:endParaRPr lang="it-IT" dirty="0"/>
+          </a:p>
+        </p:txBody>
+      </p:sp>
+      <p:sp>
+        <p:nvSpPr>
+          <p:cNvPr id="4" name="Slide Number Placeholder 3"/>
+          <p:cNvSpPr>
+            <a:spLocks noGrp="1"/>
+          </p:cNvSpPr>
+          <p:nvPr>
+            <p:ph type="sldNum" sz="quarter" idx="10"/>
+          </p:nvPr>
+        </p:nvSpPr>
+        <p:spPr/>
+        <p:txBody>
+          <a:bodyPr/>
+          <a:lstStyle/>
+          <a:p>
+            <a:fld id="{FFB2A5BA-5E88-4658-88FC-18E6CAE940B5}" type="slidenum">
+              <a:rPr lang="it-IT" smtClean="0"/>
+              <a:t>1</a:t>
+            </a:fld>
+            <a:endParaRPr lang="it-IT"/>
+          </a:p>
+        </p:txBody>
+      </p:sp>
+    </p:spTree>
+    <p:extLst>
+      <p:ext uri="{BB962C8B-B14F-4D97-AF65-F5344CB8AC3E}">
+        <p14:creationId xmlns:p14="http://schemas.microsoft.com/office/powerpoint/2010/main" val="510518876"/>
+      </p:ext>
+    </p:extLst>
+  </p:cSld>
+  <p:clrMapOvr>
+    <a:masterClrMapping/>
+  </p:clrMapOvr>
+</p:notes>
+</file>
+
+<file path=ppt/notesSlides/notesSlide2.xml><?xml version="1.0" encoding="utf-8"?>
+<p:notes xmlns:a="http://schemas.openxmlformats.org/drawingml/2006/main" xmlns:r="http://schemas.openxmlformats.org/officeDocument/2006/relationships" xmlns:p="http://schemas.openxmlformats.org/presentationml/2006/main">
+  <p:cSld>
+    <p:spTree>
+      <p:nvGrpSpPr>
+        <p:cNvPr id="1" name=""/>
+        <p:cNvGrpSpPr/>
+        <p:nvPr/>
+      </p:nvGrpSpPr>
+      <p:grpSpPr>
+        <a:xfrm>
+          <a:off x="0" y="0"/>
+          <a:ext cx="0" cy="0"/>
+          <a:chOff x="0" y="0"/>
+          <a:chExt cx="0" cy="0"/>
+        </a:xfrm>
+      </p:grpSpPr>
+      <p:sp>
+        <p:nvSpPr>
+          <p:cNvPr id="2" name="Slide Image Placeholder 1"/>
+          <p:cNvSpPr>
+            <a:spLocks noGrp="1" noRot="1" noChangeAspect="1"/>
+          </p:cNvSpPr>
+          <p:nvPr>
+            <p:ph type="sldImg"/>
+          </p:nvPr>
+        </p:nvSpPr>
+        <p:spPr/>
+      </p:sp>
+      <p:sp>
+        <p:nvSpPr>
+          <p:cNvPr id="3" name="Notes Placeholder 2"/>
+          <p:cNvSpPr>
+            <a:spLocks noGrp="1"/>
+          </p:cNvSpPr>
+          <p:nvPr>
+            <p:ph type="body" idx="1"/>
+          </p:nvPr>
+        </p:nvSpPr>
+        <p:spPr/>
+        <p:txBody>
+          <a:bodyPr/>
+          <a:lstStyle/>
+          <a:p>
+            <a:r>
+              <a:rPr lang="it-IT" dirty="0" smtClean="0"/>
+              <a:t>Mettere come prima slides in prosa degli obiettivi</a:t>
+            </a:r>
+            <a:r>
+              <a:rPr lang="it-IT" baseline="0" dirty="0" smtClean="0"/>
+              <a:t> e poi slides di agenda</a:t>
+            </a:r>
+            <a:endParaRPr lang="it-IT" dirty="0"/>
+          </a:p>
+        </p:txBody>
+      </p:sp>
+      <p:sp>
+        <p:nvSpPr>
+          <p:cNvPr id="4" name="Slide Number Placeholder 3"/>
+          <p:cNvSpPr>
+            <a:spLocks noGrp="1"/>
+          </p:cNvSpPr>
+          <p:nvPr>
+            <p:ph type="sldNum" sz="quarter" idx="10"/>
+          </p:nvPr>
+        </p:nvSpPr>
+        <p:spPr/>
+        <p:txBody>
+          <a:bodyPr/>
+          <a:lstStyle/>
+          <a:p>
+            <a:fld id="{FFB2A5BA-5E88-4658-88FC-18E6CAE940B5}" type="slidenum">
+              <a:rPr lang="it-IT" smtClean="0"/>
+              <a:t>11</a:t>
+            </a:fld>
+            <a:endParaRPr lang="it-IT"/>
+          </a:p>
+        </p:txBody>
+      </p:sp>
+    </p:spTree>
+    <p:extLst>
+      <p:ext uri="{BB962C8B-B14F-4D97-AF65-F5344CB8AC3E}">
+        <p14:creationId xmlns:p14="http://schemas.microsoft.com/office/powerpoint/2010/main" val="2322349311"/>
+      </p:ext>
+    </p:extLst>
+  </p:cSld>
+  <p:clrMapOvr>
+    <a:masterClrMapping/>
+  </p:clrMapOvr>
+</p:notes>
+</file>
+
+<file path=ppt/notesSlides/notesSlide3.xml><?xml version="1.0" encoding="utf-8"?>
+<p:notes xmlns:a="http://schemas.openxmlformats.org/drawingml/2006/main" xmlns:r="http://schemas.openxmlformats.org/officeDocument/2006/relationships" xmlns:p="http://schemas.openxmlformats.org/presentationml/2006/main">
+  <p:cSld>
+    <p:spTree>
+      <p:nvGrpSpPr>
+        <p:cNvPr id="1" name=""/>
+        <p:cNvGrpSpPr/>
+        <p:nvPr/>
+      </p:nvGrpSpPr>
+      <p:grpSpPr>
+        <a:xfrm>
+          <a:off x="0" y="0"/>
+          <a:ext cx="0" cy="0"/>
+          <a:chOff x="0" y="0"/>
+          <a:chExt cx="0" cy="0"/>
+        </a:xfrm>
+      </p:grpSpPr>
+      <p:sp>
+        <p:nvSpPr>
+          <p:cNvPr id="2" name="Slide Image Placeholder 1"/>
+          <p:cNvSpPr>
+            <a:spLocks noGrp="1" noRot="1" noChangeAspect="1"/>
+          </p:cNvSpPr>
+          <p:nvPr>
+            <p:ph type="sldImg"/>
+          </p:nvPr>
+        </p:nvSpPr>
+        <p:spPr/>
+      </p:sp>
+      <p:sp>
+        <p:nvSpPr>
+          <p:cNvPr id="3" name="Notes Placeholder 2"/>
+          <p:cNvSpPr>
+            <a:spLocks noGrp="1"/>
+          </p:cNvSpPr>
+          <p:nvPr>
+            <p:ph type="body" idx="1"/>
+          </p:nvPr>
+        </p:nvSpPr>
+        <p:spPr/>
+        <p:txBody>
+          <a:bodyPr/>
+          <a:lstStyle/>
+          <a:p>
+            <a:endParaRPr lang="it-IT" dirty="0"/>
+          </a:p>
+        </p:txBody>
+      </p:sp>
+      <p:sp>
+        <p:nvSpPr>
+          <p:cNvPr id="4" name="Slide Number Placeholder 3"/>
+          <p:cNvSpPr>
+            <a:spLocks noGrp="1"/>
+          </p:cNvSpPr>
+          <p:nvPr>
+            <p:ph type="sldNum" sz="quarter" idx="10"/>
+          </p:nvPr>
+        </p:nvSpPr>
+        <p:spPr/>
+        <p:txBody>
+          <a:bodyPr/>
+          <a:lstStyle/>
+          <a:p>
+            <a:fld id="{FFB2A5BA-5E88-4658-88FC-18E6CAE940B5}" type="slidenum">
+              <a:rPr lang="it-IT" smtClean="0"/>
+              <a:t>14</a:t>
+            </a:fld>
+            <a:endParaRPr lang="it-IT"/>
+          </a:p>
+        </p:txBody>
+      </p:sp>
+    </p:spTree>
+    <p:extLst>
+      <p:ext uri="{BB962C8B-B14F-4D97-AF65-F5344CB8AC3E}">
+        <p14:creationId xmlns:p14="http://schemas.microsoft.com/office/powerpoint/2010/main" val="1149327795"/>
+      </p:ext>
+    </p:extLst>
+  </p:cSld>
+  <p:clrMapOvr>
+    <a:masterClrMapping/>
+  </p:clrMapOvr>
+</p:notes>
+</file>
+
 <file path=ppt/slideLayouts/slideLayout1.xml><?xml version="1.0" encoding="utf-8"?>
 <p:sldLayout xmlns:a="http://schemas.openxmlformats.org/drawingml/2006/main" xmlns:r="http://schemas.openxmlformats.org/officeDocument/2006/relationships" xmlns:p="http://schemas.openxmlformats.org/presentationml/2006/main" type="title" preserve="1">
   <p:cSld name="Title Slide">
@@ -256,7 +871,7 @@
           <a:p>
             <a:fld id="{5FF43077-74F3-43BB-98C0-C5FB0DB1A5A8}" type="datetimeFigureOut">
               <a:rPr lang="it-IT" smtClean="0"/>
-              <a:t>12/07/2018</a:t>
+              <a:t>10/08/2018</a:t>
             </a:fld>
             <a:endParaRPr lang="it-IT"/>
           </a:p>
@@ -426,7 +1041,7 @@
           <a:p>
             <a:fld id="{5FF43077-74F3-43BB-98C0-C5FB0DB1A5A8}" type="datetimeFigureOut">
               <a:rPr lang="it-IT" smtClean="0"/>
-              <a:t>12/07/2018</a:t>
+              <a:t>10/08/2018</a:t>
             </a:fld>
             <a:endParaRPr lang="it-IT"/>
           </a:p>
@@ -606,7 +1221,7 @@
           <a:p>
             <a:fld id="{5FF43077-74F3-43BB-98C0-C5FB0DB1A5A8}" type="datetimeFigureOut">
               <a:rPr lang="it-IT" smtClean="0"/>
-              <a:t>12/07/2018</a:t>
+              <a:t>10/08/2018</a:t>
             </a:fld>
             <a:endParaRPr lang="it-IT"/>
           </a:p>
@@ -776,7 +1391,7 @@
           <a:p>
             <a:fld id="{5FF43077-74F3-43BB-98C0-C5FB0DB1A5A8}" type="datetimeFigureOut">
               <a:rPr lang="it-IT" smtClean="0"/>
-              <a:t>12/07/2018</a:t>
+              <a:t>10/08/2018</a:t>
             </a:fld>
             <a:endParaRPr lang="it-IT"/>
           </a:p>
@@ -1022,7 +1637,7 @@
           <a:p>
             <a:fld id="{5FF43077-74F3-43BB-98C0-C5FB0DB1A5A8}" type="datetimeFigureOut">
               <a:rPr lang="it-IT" smtClean="0"/>
-              <a:t>12/07/2018</a:t>
+              <a:t>10/08/2018</a:t>
             </a:fld>
             <a:endParaRPr lang="it-IT"/>
           </a:p>
@@ -1254,7 +1869,7 @@
           <a:p>
             <a:fld id="{5FF43077-74F3-43BB-98C0-C5FB0DB1A5A8}" type="datetimeFigureOut">
               <a:rPr lang="it-IT" smtClean="0"/>
-              <a:t>12/07/2018</a:t>
+              <a:t>10/08/2018</a:t>
             </a:fld>
             <a:endParaRPr lang="it-IT"/>
           </a:p>
@@ -1621,7 +2236,7 @@
           <a:p>
             <a:fld id="{5FF43077-74F3-43BB-98C0-C5FB0DB1A5A8}" type="datetimeFigureOut">
               <a:rPr lang="it-IT" smtClean="0"/>
-              <a:t>12/07/2018</a:t>
+              <a:t>10/08/2018</a:t>
             </a:fld>
             <a:endParaRPr lang="it-IT"/>
           </a:p>
@@ -1739,7 +2354,7 @@
           <a:p>
             <a:fld id="{5FF43077-74F3-43BB-98C0-C5FB0DB1A5A8}" type="datetimeFigureOut">
               <a:rPr lang="it-IT" smtClean="0"/>
-              <a:t>12/07/2018</a:t>
+              <a:t>10/08/2018</a:t>
             </a:fld>
             <a:endParaRPr lang="it-IT"/>
           </a:p>
@@ -1834,7 +2449,7 @@
           <a:p>
             <a:fld id="{5FF43077-74F3-43BB-98C0-C5FB0DB1A5A8}" type="datetimeFigureOut">
               <a:rPr lang="it-IT" smtClean="0"/>
-              <a:t>12/07/2018</a:t>
+              <a:t>10/08/2018</a:t>
             </a:fld>
             <a:endParaRPr lang="it-IT"/>
           </a:p>
@@ -2111,7 +2726,7 @@
           <a:p>
             <a:fld id="{5FF43077-74F3-43BB-98C0-C5FB0DB1A5A8}" type="datetimeFigureOut">
               <a:rPr lang="it-IT" smtClean="0"/>
-              <a:t>12/07/2018</a:t>
+              <a:t>10/08/2018</a:t>
             </a:fld>
             <a:endParaRPr lang="it-IT"/>
           </a:p>
@@ -2364,7 +2979,7 @@
           <a:p>
             <a:fld id="{5FF43077-74F3-43BB-98C0-C5FB0DB1A5A8}" type="datetimeFigureOut">
               <a:rPr lang="it-IT" smtClean="0"/>
-              <a:t>12/07/2018</a:t>
+              <a:t>10/08/2018</a:t>
             </a:fld>
             <a:endParaRPr lang="it-IT"/>
           </a:p>
@@ -2577,7 +3192,7 @@
           <a:p>
             <a:fld id="{5FF43077-74F3-43BB-98C0-C5FB0DB1A5A8}" type="datetimeFigureOut">
               <a:rPr lang="it-IT" smtClean="0"/>
-              <a:t>12/07/2018</a:t>
+              <a:t>10/08/2018</a:t>
             </a:fld>
             <a:endParaRPr lang="it-IT"/>
           </a:p>
@@ -2999,7 +3614,7 @@
           <p:nvPr/>
         </p:nvPicPr>
         <p:blipFill>
-          <a:blip r:embed="rId2" cstate="print">
+          <a:blip r:embed="rId3" cstate="print">
             <a:extLst>
               <a:ext uri="{28A0092B-C50C-407E-A947-70E740481C1C}">
                 <a14:useLocalDpi xmlns:a14="http://schemas.microsoft.com/office/drawing/2010/main" val="0"/>
@@ -3139,7 +3754,7 @@
           <p:nvPr/>
         </p:nvPicPr>
         <p:blipFill>
-          <a:blip r:embed="rId3" cstate="print">
+          <a:blip r:embed="rId4" cstate="print">
             <a:extLst>
               <a:ext uri="{28A0092B-C50C-407E-A947-70E740481C1C}">
                 <a14:useLocalDpi xmlns:a14="http://schemas.microsoft.com/office/drawing/2010/main" val="0"/>
@@ -3169,7 +3784,7 @@
           <p:nvPr/>
         </p:nvPicPr>
         <p:blipFill>
-          <a:blip r:embed="rId4" cstate="print">
+          <a:blip r:embed="rId5" cstate="print">
             <a:extLst>
               <a:ext uri="{28A0092B-C50C-407E-A947-70E740481C1C}">
                 <a14:useLocalDpi xmlns:a14="http://schemas.microsoft.com/office/drawing/2010/main" val="0"/>
@@ -3190,6 +3805,52 @@
           </a:prstGeom>
         </p:spPr>
       </p:pic>
+      <p:sp>
+        <p:nvSpPr>
+          <p:cNvPr id="2" name="TextBox 1"/>
+          <p:cNvSpPr txBox="1"/>
+          <p:nvPr/>
+        </p:nvSpPr>
+        <p:spPr>
+          <a:xfrm>
+            <a:off x="2854856" y="6114000"/>
+            <a:ext cx="4254911" cy="461665"/>
+          </a:xfrm>
+          <a:prstGeom prst="rect">
+            <a:avLst/>
+          </a:prstGeom>
+          <a:noFill/>
+        </p:spPr>
+        <p:txBody>
+          <a:bodyPr wrap="square" rtlCol="0">
+            <a:spAutoFit/>
+          </a:bodyPr>
+          <a:lstStyle/>
+          <a:p>
+            <a:r>
+              <a:rPr lang="it-IT" sz="2400" dirty="0" smtClean="0"/>
+              <a:t>Slides: </a:t>
+            </a:r>
+            <a:r>
+              <a:rPr lang="it-IT" sz="2400" dirty="0">
+                <a:hlinkClick r:id="rId6"/>
+              </a:rPr>
+              <a:t>https://</a:t>
+            </a:r>
+            <a:r>
+              <a:rPr lang="it-IT" sz="2400" dirty="0" smtClean="0">
+                <a:hlinkClick r:id="rId6"/>
+              </a:rPr>
+              <a:t>goo.gl/Pg7nRp</a:t>
+            </a:r>
+            <a:r>
+              <a:rPr lang="it-IT" sz="2400" dirty="0" smtClean="0"/>
+              <a:t> </a:t>
+            </a:r>
+            <a:endParaRPr lang="it-IT" sz="2400" dirty="0"/>
+          </a:p>
+        </p:txBody>
+      </p:sp>
     </p:spTree>
     <p:extLst>
       <p:ext uri="{BB962C8B-B14F-4D97-AF65-F5344CB8AC3E}">
@@ -3211,6 +3872,1205 @@
 </file>
 
 <file path=ppt/slides/slide10.xml><?xml version="1.0" encoding="utf-8"?>
+<p:sld xmlns:a="http://schemas.openxmlformats.org/drawingml/2006/main" xmlns:r="http://schemas.openxmlformats.org/officeDocument/2006/relationships" xmlns:p="http://schemas.openxmlformats.org/presentationml/2006/main">
+  <p:cSld>
+    <p:spTree>
+      <p:nvGrpSpPr>
+        <p:cNvPr id="1" name=""/>
+        <p:cNvGrpSpPr/>
+        <p:nvPr/>
+      </p:nvGrpSpPr>
+      <p:grpSpPr>
+        <a:xfrm>
+          <a:off x="0" y="0"/>
+          <a:ext cx="0" cy="0"/>
+          <a:chOff x="0" y="0"/>
+          <a:chExt cx="0" cy="0"/>
+        </a:xfrm>
+      </p:grpSpPr>
+      <p:sp>
+        <p:nvSpPr>
+          <p:cNvPr id="5" name="Rectangle 4"/>
+          <p:cNvSpPr/>
+          <p:nvPr/>
+        </p:nvSpPr>
+        <p:spPr>
+          <a:xfrm>
+            <a:off x="304800" y="427703"/>
+            <a:ext cx="10741742" cy="1799304"/>
+          </a:xfrm>
+          <a:prstGeom prst="rect">
+            <a:avLst/>
+          </a:prstGeom>
+          <a:noFill/>
+          <a:ln w="9525" cap="flat" cmpd="sng" algn="ctr">
+            <a:solidFill>
+              <a:schemeClr val="dk1"/>
+            </a:solidFill>
+            <a:prstDash val="solid"/>
+            <a:round/>
+            <a:headEnd type="none" w="med" len="med"/>
+            <a:tailEnd type="none" w="med" len="med"/>
+          </a:ln>
+        </p:spPr>
+        <p:style>
+          <a:lnRef idx="0">
+            <a:scrgbClr r="0" g="0" b="0"/>
+          </a:lnRef>
+          <a:fillRef idx="0">
+            <a:scrgbClr r="0" g="0" b="0"/>
+          </a:fillRef>
+          <a:effectRef idx="0">
+            <a:scrgbClr r="0" g="0" b="0"/>
+          </a:effectRef>
+          <a:fontRef idx="minor">
+            <a:schemeClr val="dk1"/>
+          </a:fontRef>
+        </p:style>
+        <p:txBody>
+          <a:bodyPr rtlCol="0" anchor="ctr"/>
+          <a:lstStyle/>
+          <a:p>
+            <a:pPr lvl="0"/>
+            <a:r>
+              <a:rPr lang="it-IT" sz="1400" dirty="0">
+                <a:solidFill>
+                  <a:srgbClr val="0000FF"/>
+                </a:solidFill>
+                <a:latin typeface="Consolas" panose="020B0609020204030204" pitchFamily="49" charset="0"/>
+              </a:rPr>
+              <a:t>private</a:t>
+            </a:r>
+            <a:r>
+              <a:rPr lang="it-IT" sz="1400" dirty="0">
+                <a:solidFill>
+                  <a:srgbClr val="000000"/>
+                </a:solidFill>
+                <a:latin typeface="Consolas" panose="020B0609020204030204" pitchFamily="49" charset="0"/>
+              </a:rPr>
+              <a:t> </a:t>
+            </a:r>
+            <a:r>
+              <a:rPr lang="it-IT" sz="1400" dirty="0">
+                <a:solidFill>
+                  <a:srgbClr val="0000FF"/>
+                </a:solidFill>
+                <a:latin typeface="Consolas" panose="020B0609020204030204" pitchFamily="49" charset="0"/>
+              </a:rPr>
+              <a:t>static</a:t>
+            </a:r>
+            <a:r>
+              <a:rPr lang="it-IT" sz="1400" dirty="0">
+                <a:solidFill>
+                  <a:srgbClr val="000000"/>
+                </a:solidFill>
+                <a:latin typeface="Consolas" panose="020B0609020204030204" pitchFamily="49" charset="0"/>
+              </a:rPr>
+              <a:t> </a:t>
+            </a:r>
+            <a:r>
+              <a:rPr lang="it-IT" sz="1400" dirty="0">
+                <a:solidFill>
+                  <a:srgbClr val="0000FF"/>
+                </a:solidFill>
+                <a:latin typeface="Consolas" panose="020B0609020204030204" pitchFamily="49" charset="0"/>
+              </a:rPr>
+              <a:t>async</a:t>
+            </a:r>
+            <a:r>
+              <a:rPr lang="it-IT" sz="1400" dirty="0">
+                <a:solidFill>
+                  <a:srgbClr val="000000"/>
+                </a:solidFill>
+                <a:latin typeface="Consolas" panose="020B0609020204030204" pitchFamily="49" charset="0"/>
+              </a:rPr>
+              <a:t> </a:t>
+            </a:r>
+            <a:r>
+              <a:rPr lang="it-IT" sz="1400" dirty="0">
+                <a:solidFill>
+                  <a:srgbClr val="009999"/>
+                </a:solidFill>
+                <a:latin typeface="Consolas" panose="020B0609020204030204" pitchFamily="49" charset="0"/>
+              </a:rPr>
+              <a:t>Task</a:t>
+            </a:r>
+            <a:r>
+              <a:rPr lang="it-IT" sz="1400" dirty="0">
+                <a:solidFill>
+                  <a:srgbClr val="000000"/>
+                </a:solidFill>
+                <a:latin typeface="Consolas" panose="020B0609020204030204" pitchFamily="49" charset="0"/>
+              </a:rPr>
+              <a:t> SendDeviceToCloudMessagesAsync</a:t>
+            </a:r>
+            <a:r>
+              <a:rPr lang="it-IT" sz="1400" dirty="0" smtClean="0">
+                <a:solidFill>
+                  <a:srgbClr val="000000"/>
+                </a:solidFill>
+                <a:latin typeface="Consolas" panose="020B0609020204030204" pitchFamily="49" charset="0"/>
+              </a:rPr>
+              <a:t>() {</a:t>
+            </a:r>
+            <a:endParaRPr lang="it-IT" sz="1400" dirty="0">
+              <a:solidFill>
+                <a:srgbClr val="000000"/>
+              </a:solidFill>
+              <a:latin typeface="Consolas" panose="020B0609020204030204" pitchFamily="49" charset="0"/>
+            </a:endParaRPr>
+          </a:p>
+          <a:p>
+            <a:pPr lvl="0"/>
+            <a:r>
+              <a:rPr lang="it-IT" sz="1400" dirty="0" smtClean="0">
+                <a:solidFill>
+                  <a:srgbClr val="0000FF"/>
+                </a:solidFill>
+                <a:latin typeface="Consolas" panose="020B0609020204030204" pitchFamily="49" charset="0"/>
+              </a:rPr>
+              <a:t>   while</a:t>
+            </a:r>
+            <a:r>
+              <a:rPr lang="it-IT" sz="1400" dirty="0" smtClean="0">
+                <a:solidFill>
+                  <a:srgbClr val="000000"/>
+                </a:solidFill>
+                <a:latin typeface="Consolas" panose="020B0609020204030204" pitchFamily="49" charset="0"/>
+              </a:rPr>
+              <a:t> </a:t>
+            </a:r>
+            <a:r>
+              <a:rPr lang="it-IT" sz="1400" dirty="0">
+                <a:solidFill>
+                  <a:srgbClr val="000000"/>
+                </a:solidFill>
+                <a:latin typeface="Consolas" panose="020B0609020204030204" pitchFamily="49" charset="0"/>
+              </a:rPr>
+              <a:t>(</a:t>
+            </a:r>
+            <a:r>
+              <a:rPr lang="it-IT" sz="1400" dirty="0">
+                <a:solidFill>
+                  <a:srgbClr val="0000FF"/>
+                </a:solidFill>
+                <a:latin typeface="Consolas" panose="020B0609020204030204" pitchFamily="49" charset="0"/>
+              </a:rPr>
+              <a:t>true</a:t>
+            </a:r>
+            <a:r>
+              <a:rPr lang="it-IT" sz="1400" dirty="0" smtClean="0">
+                <a:solidFill>
+                  <a:srgbClr val="000000"/>
+                </a:solidFill>
+                <a:latin typeface="Consolas" panose="020B0609020204030204" pitchFamily="49" charset="0"/>
+              </a:rPr>
+              <a:t>) {</a:t>
+            </a:r>
+            <a:endParaRPr lang="it-IT" sz="1400" dirty="0">
+              <a:solidFill>
+                <a:srgbClr val="000000"/>
+              </a:solidFill>
+              <a:latin typeface="Consolas" panose="020B0609020204030204" pitchFamily="49" charset="0"/>
+            </a:endParaRPr>
+          </a:p>
+          <a:p>
+            <a:pPr lvl="0"/>
+            <a:r>
+              <a:rPr lang="it-IT" sz="1400" dirty="0">
+                <a:solidFill>
+                  <a:srgbClr val="000000"/>
+                </a:solidFill>
+                <a:latin typeface="Consolas" panose="020B0609020204030204" pitchFamily="49" charset="0"/>
+              </a:rPr>
+              <a:t>   </a:t>
+            </a:r>
+            <a:r>
+              <a:rPr lang="it-IT" sz="1400" dirty="0" smtClean="0">
+                <a:solidFill>
+                  <a:srgbClr val="000000"/>
+                </a:solidFill>
+                <a:latin typeface="Consolas" panose="020B0609020204030204" pitchFamily="49" charset="0"/>
+              </a:rPr>
+              <a:t>   </a:t>
+            </a:r>
+            <a:r>
+              <a:rPr lang="it-IT" sz="1400" dirty="0" smtClean="0">
+                <a:solidFill>
+                  <a:srgbClr val="0000FF"/>
+                </a:solidFill>
+                <a:latin typeface="Consolas" panose="020B0609020204030204" pitchFamily="49" charset="0"/>
+              </a:rPr>
+              <a:t>var</a:t>
+            </a:r>
+            <a:r>
+              <a:rPr lang="it-IT" sz="1400" dirty="0" smtClean="0">
+                <a:solidFill>
+                  <a:srgbClr val="000000"/>
+                </a:solidFill>
+                <a:latin typeface="Consolas" panose="020B0609020204030204" pitchFamily="49" charset="0"/>
+              </a:rPr>
+              <a:t> </a:t>
+            </a:r>
+            <a:r>
+              <a:rPr lang="it-IT" sz="1400" dirty="0">
+                <a:solidFill>
+                  <a:srgbClr val="000000"/>
+                </a:solidFill>
+                <a:latin typeface="Consolas" panose="020B0609020204030204" pitchFamily="49" charset="0"/>
+              </a:rPr>
+              <a:t>telemetryDataPoint = </a:t>
+            </a:r>
+            <a:r>
+              <a:rPr lang="it-IT" sz="1400" dirty="0" smtClean="0">
+                <a:solidFill>
+                  <a:srgbClr val="0000FF"/>
+                </a:solidFill>
+                <a:latin typeface="Consolas" panose="020B0609020204030204" pitchFamily="49" charset="0"/>
+              </a:rPr>
+              <a:t>...</a:t>
+            </a:r>
+            <a:r>
+              <a:rPr lang="it-IT" sz="1400" dirty="0" smtClean="0">
+                <a:solidFill>
+                  <a:srgbClr val="000000"/>
+                </a:solidFill>
+                <a:latin typeface="Consolas" panose="020B0609020204030204" pitchFamily="49" charset="0"/>
+              </a:rPr>
+              <a:t> </a:t>
+            </a:r>
+          </a:p>
+          <a:p>
+            <a:pPr lvl="0"/>
+            <a:r>
+              <a:rPr lang="it-IT" sz="1400" dirty="0">
+                <a:solidFill>
+                  <a:srgbClr val="000000"/>
+                </a:solidFill>
+                <a:latin typeface="Consolas" panose="020B0609020204030204" pitchFamily="49" charset="0"/>
+              </a:rPr>
+              <a:t> </a:t>
+            </a:r>
+            <a:r>
+              <a:rPr lang="it-IT" sz="1400" dirty="0" smtClean="0">
+                <a:solidFill>
+                  <a:srgbClr val="000000"/>
+                </a:solidFill>
+                <a:latin typeface="Consolas" panose="020B0609020204030204" pitchFamily="49" charset="0"/>
+              </a:rPr>
+              <a:t>     </a:t>
+            </a:r>
+            <a:r>
+              <a:rPr lang="it-IT" sz="1400" dirty="0" smtClean="0">
+                <a:solidFill>
+                  <a:srgbClr val="0000FF"/>
+                </a:solidFill>
+                <a:latin typeface="Consolas" panose="020B0609020204030204" pitchFamily="49" charset="0"/>
+              </a:rPr>
+              <a:t>var</a:t>
+            </a:r>
+            <a:r>
+              <a:rPr lang="it-IT" sz="1400" dirty="0" smtClean="0">
+                <a:solidFill>
+                  <a:srgbClr val="000000"/>
+                </a:solidFill>
+                <a:latin typeface="Consolas" panose="020B0609020204030204" pitchFamily="49" charset="0"/>
+              </a:rPr>
+              <a:t> </a:t>
+            </a:r>
+            <a:r>
+              <a:rPr lang="it-IT" sz="1400" dirty="0">
+                <a:solidFill>
+                  <a:srgbClr val="000000"/>
+                </a:solidFill>
+                <a:latin typeface="Consolas" panose="020B0609020204030204" pitchFamily="49" charset="0"/>
+              </a:rPr>
+              <a:t>message = </a:t>
+            </a:r>
+            <a:r>
+              <a:rPr lang="it-IT" sz="1400" dirty="0">
+                <a:solidFill>
+                  <a:srgbClr val="0000FF"/>
+                </a:solidFill>
+                <a:latin typeface="Consolas" panose="020B0609020204030204" pitchFamily="49" charset="0"/>
+              </a:rPr>
+              <a:t>new</a:t>
+            </a:r>
+            <a:r>
+              <a:rPr lang="it-IT" sz="1400" dirty="0">
+                <a:solidFill>
+                  <a:srgbClr val="000000"/>
+                </a:solidFill>
+                <a:latin typeface="Consolas" panose="020B0609020204030204" pitchFamily="49" charset="0"/>
+              </a:rPr>
+              <a:t> </a:t>
+            </a:r>
+            <a:r>
+              <a:rPr lang="it-IT" sz="1400" dirty="0" smtClean="0">
+                <a:solidFill>
+                  <a:srgbClr val="000000"/>
+                </a:solidFill>
+                <a:latin typeface="Consolas" panose="020B0609020204030204" pitchFamily="49" charset="0"/>
+              </a:rPr>
+              <a:t>Message(Encoding.ASCII.GetBytes(</a:t>
+            </a:r>
+            <a:r>
+              <a:rPr lang="it-IT" sz="1400" dirty="0">
+                <a:solidFill>
+                  <a:srgbClr val="000000"/>
+                </a:solidFill>
+                <a:latin typeface="Consolas" panose="020B0609020204030204" pitchFamily="49" charset="0"/>
+              </a:rPr>
+              <a:t>JsonConvert.SerializeObject(telemetryDataPoint</a:t>
+            </a:r>
+            <a:r>
+              <a:rPr lang="it-IT" sz="1400" dirty="0" smtClean="0">
+                <a:solidFill>
+                  <a:srgbClr val="000000"/>
+                </a:solidFill>
+                <a:latin typeface="Consolas" panose="020B0609020204030204" pitchFamily="49" charset="0"/>
+              </a:rPr>
+              <a:t>)));</a:t>
+            </a:r>
+            <a:endParaRPr lang="it-IT" sz="1400" dirty="0">
+              <a:solidFill>
+                <a:srgbClr val="000000"/>
+              </a:solidFill>
+              <a:latin typeface="Consolas" panose="020B0609020204030204" pitchFamily="49" charset="0"/>
+            </a:endParaRPr>
+          </a:p>
+          <a:p>
+            <a:pPr lvl="0"/>
+            <a:r>
+              <a:rPr lang="it-IT" sz="1400" dirty="0">
+                <a:solidFill>
+                  <a:srgbClr val="000000"/>
+                </a:solidFill>
+                <a:latin typeface="Consolas" panose="020B0609020204030204" pitchFamily="49" charset="0"/>
+              </a:rPr>
+              <a:t>     </a:t>
+            </a:r>
+            <a:r>
+              <a:rPr lang="it-IT" sz="1400" dirty="0" smtClean="0">
+                <a:solidFill>
+                  <a:srgbClr val="000000"/>
+                </a:solidFill>
+                <a:latin typeface="Consolas" panose="020B0609020204030204" pitchFamily="49" charset="0"/>
+              </a:rPr>
+              <a:t> </a:t>
+            </a:r>
+            <a:r>
+              <a:rPr lang="it-IT" sz="1400" dirty="0" smtClean="0">
+                <a:solidFill>
+                  <a:srgbClr val="0000FF"/>
+                </a:solidFill>
+                <a:latin typeface="Consolas" panose="020B0609020204030204" pitchFamily="49" charset="0"/>
+              </a:rPr>
+              <a:t>await</a:t>
+            </a:r>
+            <a:r>
+              <a:rPr lang="it-IT" sz="1400" dirty="0" smtClean="0">
+                <a:solidFill>
+                  <a:srgbClr val="000000"/>
+                </a:solidFill>
+                <a:latin typeface="Consolas" panose="020B0609020204030204" pitchFamily="49" charset="0"/>
+              </a:rPr>
+              <a:t> </a:t>
+            </a:r>
+            <a:r>
+              <a:rPr lang="it-IT" sz="1400" dirty="0">
+                <a:solidFill>
+                  <a:srgbClr val="000000"/>
+                </a:solidFill>
+                <a:latin typeface="Consolas" panose="020B0609020204030204" pitchFamily="49" charset="0"/>
+              </a:rPr>
+              <a:t>deviceClient.SendEventAsync(message</a:t>
+            </a:r>
+            <a:r>
+              <a:rPr lang="it-IT" sz="1400" dirty="0" smtClean="0">
+                <a:solidFill>
+                  <a:srgbClr val="000000"/>
+                </a:solidFill>
+                <a:latin typeface="Consolas" panose="020B0609020204030204" pitchFamily="49" charset="0"/>
+              </a:rPr>
+              <a:t>);</a:t>
+            </a:r>
+            <a:endParaRPr lang="it-IT" sz="1400" dirty="0">
+              <a:solidFill>
+                <a:srgbClr val="000000"/>
+              </a:solidFill>
+              <a:latin typeface="Consolas" panose="020B0609020204030204" pitchFamily="49" charset="0"/>
+            </a:endParaRPr>
+          </a:p>
+          <a:p>
+            <a:pPr lvl="0"/>
+            <a:r>
+              <a:rPr lang="it-IT" sz="1400" dirty="0" smtClean="0">
+                <a:solidFill>
+                  <a:srgbClr val="0000FF"/>
+                </a:solidFill>
+                <a:latin typeface="Consolas" panose="020B0609020204030204" pitchFamily="49" charset="0"/>
+              </a:rPr>
+              <a:t>      await</a:t>
+            </a:r>
+            <a:r>
+              <a:rPr lang="it-IT" sz="1400" dirty="0" smtClean="0">
+                <a:solidFill>
+                  <a:srgbClr val="000000"/>
+                </a:solidFill>
+                <a:latin typeface="Consolas" panose="020B0609020204030204" pitchFamily="49" charset="0"/>
+              </a:rPr>
+              <a:t> </a:t>
+            </a:r>
+            <a:r>
+              <a:rPr lang="it-IT" sz="1400" dirty="0">
+                <a:solidFill>
+                  <a:srgbClr val="000000"/>
+                </a:solidFill>
+                <a:latin typeface="Consolas" panose="020B0609020204030204" pitchFamily="49" charset="0"/>
+              </a:rPr>
+              <a:t>Task.Delay(3000);</a:t>
+            </a:r>
+          </a:p>
+          <a:p>
+            <a:pPr lvl="0"/>
+            <a:r>
+              <a:rPr lang="it-IT" sz="1400" dirty="0" smtClean="0">
+                <a:solidFill>
+                  <a:srgbClr val="000000"/>
+                </a:solidFill>
+                <a:latin typeface="Consolas" panose="020B0609020204030204" pitchFamily="49" charset="0"/>
+              </a:rPr>
+              <a:t>   }</a:t>
+            </a:r>
+            <a:endParaRPr lang="it-IT" sz="1400" dirty="0">
+              <a:solidFill>
+                <a:srgbClr val="000000"/>
+              </a:solidFill>
+              <a:latin typeface="Consolas" panose="020B0609020204030204" pitchFamily="49" charset="0"/>
+            </a:endParaRPr>
+          </a:p>
+          <a:p>
+            <a:pPr lvl="0"/>
+            <a:r>
+              <a:rPr lang="it-IT" sz="1400" dirty="0" smtClean="0">
+                <a:solidFill>
+                  <a:srgbClr val="000000"/>
+                </a:solidFill>
+                <a:latin typeface="Consolas" panose="020B0609020204030204" pitchFamily="49" charset="0"/>
+              </a:rPr>
+              <a:t>}</a:t>
+            </a:r>
+            <a:endParaRPr lang="it-IT" sz="1400" dirty="0">
+              <a:solidFill>
+                <a:prstClr val="black"/>
+              </a:solidFill>
+            </a:endParaRPr>
+          </a:p>
+        </p:txBody>
+      </p:sp>
+      <p:sp>
+        <p:nvSpPr>
+          <p:cNvPr id="7" name="Rectangle 6"/>
+          <p:cNvSpPr/>
+          <p:nvPr/>
+        </p:nvSpPr>
+        <p:spPr>
+          <a:xfrm>
+            <a:off x="304800" y="2601929"/>
+            <a:ext cx="7718323" cy="2246769"/>
+          </a:xfrm>
+          <a:prstGeom prst="rect">
+            <a:avLst/>
+          </a:prstGeom>
+          <a:noFill/>
+          <a:ln w="9525" cap="flat" cmpd="sng" algn="ctr">
+            <a:solidFill>
+              <a:schemeClr val="dk1"/>
+            </a:solidFill>
+            <a:prstDash val="solid"/>
+            <a:round/>
+            <a:headEnd type="none" w="med" len="med"/>
+            <a:tailEnd type="none" w="med" len="med"/>
+          </a:ln>
+        </p:spPr>
+        <p:style>
+          <a:lnRef idx="0">
+            <a:scrgbClr r="0" g="0" b="0"/>
+          </a:lnRef>
+          <a:fillRef idx="0">
+            <a:scrgbClr r="0" g="0" b="0"/>
+          </a:fillRef>
+          <a:effectRef idx="0">
+            <a:scrgbClr r="0" g="0" b="0"/>
+          </a:effectRef>
+          <a:fontRef idx="minor">
+            <a:schemeClr val="dk1"/>
+          </a:fontRef>
+        </p:style>
+        <p:txBody>
+          <a:bodyPr wrap="square">
+            <a:spAutoFit/>
+          </a:bodyPr>
+          <a:lstStyle/>
+          <a:p>
+            <a:r>
+              <a:rPr lang="en-US" sz="1400" dirty="0">
+                <a:solidFill>
+                  <a:srgbClr val="0000FF"/>
+                </a:solidFill>
+                <a:latin typeface="Consolas" panose="020B0609020204030204" pitchFamily="49" charset="0"/>
+              </a:rPr>
+              <a:t>private</a:t>
+            </a:r>
+            <a:r>
+              <a:rPr lang="en-US" sz="1400" dirty="0">
+                <a:solidFill>
+                  <a:srgbClr val="000000"/>
+                </a:solidFill>
+                <a:latin typeface="Consolas" panose="020B0609020204030204" pitchFamily="49" charset="0"/>
+              </a:rPr>
+              <a:t> </a:t>
+            </a:r>
+            <a:r>
+              <a:rPr lang="en-US" sz="1400" dirty="0">
+                <a:solidFill>
+                  <a:srgbClr val="0000FF"/>
+                </a:solidFill>
+                <a:latin typeface="Consolas" panose="020B0609020204030204" pitchFamily="49" charset="0"/>
+              </a:rPr>
+              <a:t>static</a:t>
+            </a:r>
+            <a:r>
+              <a:rPr lang="en-US" sz="1400" dirty="0">
+                <a:solidFill>
+                  <a:srgbClr val="000000"/>
+                </a:solidFill>
+                <a:latin typeface="Consolas" panose="020B0609020204030204" pitchFamily="49" charset="0"/>
+              </a:rPr>
+              <a:t> </a:t>
+            </a:r>
+            <a:r>
+              <a:rPr lang="en-US" sz="1400" dirty="0" err="1">
+                <a:solidFill>
+                  <a:srgbClr val="0000FF"/>
+                </a:solidFill>
+                <a:latin typeface="Consolas" panose="020B0609020204030204" pitchFamily="49" charset="0"/>
+              </a:rPr>
+              <a:t>async</a:t>
+            </a:r>
+            <a:r>
+              <a:rPr lang="en-US" sz="1400" dirty="0">
+                <a:solidFill>
+                  <a:srgbClr val="000000"/>
+                </a:solidFill>
+                <a:latin typeface="Consolas" panose="020B0609020204030204" pitchFamily="49" charset="0"/>
+              </a:rPr>
+              <a:t> </a:t>
+            </a:r>
+            <a:r>
+              <a:rPr lang="en-US" sz="1400" dirty="0">
+                <a:solidFill>
+                  <a:srgbClr val="009999"/>
+                </a:solidFill>
+                <a:latin typeface="Consolas" panose="020B0609020204030204" pitchFamily="49" charset="0"/>
+              </a:rPr>
+              <a:t>Task</a:t>
+            </a:r>
+            <a:r>
+              <a:rPr lang="en-US" sz="1400" dirty="0">
+                <a:solidFill>
+                  <a:srgbClr val="000000"/>
+                </a:solidFill>
+                <a:latin typeface="Consolas" panose="020B0609020204030204" pitchFamily="49" charset="0"/>
+              </a:rPr>
+              <a:t> ReceiveC2dAsync</a:t>
+            </a:r>
+            <a:r>
+              <a:rPr lang="en-US" sz="1400" dirty="0" smtClean="0">
+                <a:solidFill>
+                  <a:srgbClr val="000000"/>
+                </a:solidFill>
+                <a:latin typeface="Consolas" panose="020B0609020204030204" pitchFamily="49" charset="0"/>
+              </a:rPr>
+              <a:t>() </a:t>
+            </a:r>
+            <a:r>
+              <a:rPr lang="it-IT" sz="1400" dirty="0" smtClean="0">
+                <a:solidFill>
+                  <a:srgbClr val="000000"/>
+                </a:solidFill>
+                <a:latin typeface="Consolas" panose="020B0609020204030204" pitchFamily="49" charset="0"/>
+              </a:rPr>
+              <a:t>{</a:t>
+            </a:r>
+          </a:p>
+          <a:p>
+            <a:r>
+              <a:rPr lang="it-IT" sz="1400" dirty="0">
+                <a:solidFill>
+                  <a:srgbClr val="0000FF"/>
+                </a:solidFill>
+                <a:latin typeface="Consolas" panose="020B0609020204030204" pitchFamily="49" charset="0"/>
+              </a:rPr>
+              <a:t> </a:t>
+            </a:r>
+            <a:r>
+              <a:rPr lang="it-IT" sz="1400" dirty="0" smtClean="0">
+                <a:solidFill>
+                  <a:srgbClr val="0000FF"/>
+                </a:solidFill>
+                <a:latin typeface="Consolas" panose="020B0609020204030204" pitchFamily="49" charset="0"/>
+              </a:rPr>
+              <a:t>  while</a:t>
+            </a:r>
+            <a:r>
+              <a:rPr lang="it-IT" sz="1400" dirty="0" smtClean="0">
+                <a:solidFill>
+                  <a:srgbClr val="000000"/>
+                </a:solidFill>
+                <a:latin typeface="Consolas" panose="020B0609020204030204" pitchFamily="49" charset="0"/>
+              </a:rPr>
+              <a:t> </a:t>
+            </a:r>
+            <a:r>
+              <a:rPr lang="it-IT" sz="1400" dirty="0">
+                <a:solidFill>
+                  <a:srgbClr val="000000"/>
+                </a:solidFill>
+                <a:latin typeface="Consolas" panose="020B0609020204030204" pitchFamily="49" charset="0"/>
+              </a:rPr>
+              <a:t>(</a:t>
+            </a:r>
+            <a:r>
+              <a:rPr lang="it-IT" sz="1400" dirty="0">
+                <a:solidFill>
+                  <a:srgbClr val="0000FF"/>
+                </a:solidFill>
+                <a:latin typeface="Consolas" panose="020B0609020204030204" pitchFamily="49" charset="0"/>
+              </a:rPr>
+              <a:t>true</a:t>
+            </a:r>
+            <a:r>
+              <a:rPr lang="it-IT" sz="1400" dirty="0" smtClean="0">
+                <a:solidFill>
+                  <a:srgbClr val="000000"/>
+                </a:solidFill>
+                <a:latin typeface="Consolas" panose="020B0609020204030204" pitchFamily="49" charset="0"/>
+              </a:rPr>
+              <a:t>) {</a:t>
+            </a:r>
+            <a:endParaRPr lang="it-IT" sz="1400" dirty="0">
+              <a:solidFill>
+                <a:srgbClr val="000000"/>
+              </a:solidFill>
+              <a:latin typeface="Consolas" panose="020B0609020204030204" pitchFamily="49" charset="0"/>
+            </a:endParaRPr>
+          </a:p>
+          <a:p>
+            <a:r>
+              <a:rPr lang="it-IT" sz="1400" dirty="0" smtClean="0">
+                <a:solidFill>
+                  <a:srgbClr val="000000"/>
+                </a:solidFill>
+                <a:latin typeface="Consolas" panose="020B0609020204030204" pitchFamily="49" charset="0"/>
+              </a:rPr>
+              <a:t>      Message </a:t>
+            </a:r>
+            <a:r>
+              <a:rPr lang="it-IT" sz="1400" dirty="0">
+                <a:solidFill>
+                  <a:srgbClr val="000000"/>
+                </a:solidFill>
+                <a:latin typeface="Consolas" panose="020B0609020204030204" pitchFamily="49" charset="0"/>
+              </a:rPr>
+              <a:t>receivedMessage = </a:t>
+            </a:r>
+            <a:r>
+              <a:rPr lang="it-IT" sz="1400" dirty="0">
+                <a:solidFill>
+                  <a:srgbClr val="0000FF"/>
+                </a:solidFill>
+                <a:latin typeface="Consolas" panose="020B0609020204030204" pitchFamily="49" charset="0"/>
+              </a:rPr>
+              <a:t>await</a:t>
+            </a:r>
+            <a:r>
+              <a:rPr lang="it-IT" sz="1400" dirty="0">
+                <a:solidFill>
+                  <a:srgbClr val="000000"/>
+                </a:solidFill>
+                <a:latin typeface="Consolas" panose="020B0609020204030204" pitchFamily="49" charset="0"/>
+              </a:rPr>
+              <a:t> deviceClient.ReceiveAsync();</a:t>
+            </a:r>
+          </a:p>
+          <a:p>
+            <a:r>
+              <a:rPr lang="it-IT" sz="1400" dirty="0" smtClean="0">
+                <a:solidFill>
+                  <a:srgbClr val="0000FF"/>
+                </a:solidFill>
+                <a:latin typeface="Consolas" panose="020B0609020204030204" pitchFamily="49" charset="0"/>
+              </a:rPr>
+              <a:t>      if</a:t>
+            </a:r>
+            <a:r>
+              <a:rPr lang="it-IT" sz="1400" dirty="0" smtClean="0">
+                <a:solidFill>
+                  <a:srgbClr val="000000"/>
+                </a:solidFill>
+                <a:latin typeface="Consolas" panose="020B0609020204030204" pitchFamily="49" charset="0"/>
+              </a:rPr>
+              <a:t> </a:t>
+            </a:r>
+            <a:r>
+              <a:rPr lang="it-IT" sz="1400" dirty="0">
+                <a:solidFill>
+                  <a:srgbClr val="000000"/>
+                </a:solidFill>
+                <a:latin typeface="Consolas" panose="020B0609020204030204" pitchFamily="49" charset="0"/>
+              </a:rPr>
+              <a:t>(receivedMessage == </a:t>
+            </a:r>
+            <a:r>
+              <a:rPr lang="it-IT" sz="1400" dirty="0">
+                <a:solidFill>
+                  <a:srgbClr val="0000FF"/>
+                </a:solidFill>
+                <a:latin typeface="Consolas" panose="020B0609020204030204" pitchFamily="49" charset="0"/>
+              </a:rPr>
+              <a:t>null</a:t>
+            </a:r>
+            <a:r>
+              <a:rPr lang="it-IT" sz="1400" dirty="0">
+                <a:solidFill>
+                  <a:srgbClr val="000000"/>
+                </a:solidFill>
+                <a:latin typeface="Consolas" panose="020B0609020204030204" pitchFamily="49" charset="0"/>
+              </a:rPr>
+              <a:t>) </a:t>
+            </a:r>
+            <a:r>
+              <a:rPr lang="it-IT" sz="1400" dirty="0">
+                <a:solidFill>
+                  <a:srgbClr val="0000FF"/>
+                </a:solidFill>
+                <a:latin typeface="Consolas" panose="020B0609020204030204" pitchFamily="49" charset="0"/>
+              </a:rPr>
+              <a:t>continue</a:t>
+            </a:r>
+            <a:r>
+              <a:rPr lang="it-IT" sz="1400" dirty="0">
+                <a:solidFill>
+                  <a:srgbClr val="000000"/>
+                </a:solidFill>
+                <a:latin typeface="Consolas" panose="020B0609020204030204" pitchFamily="49" charset="0"/>
+              </a:rPr>
+              <a:t>;</a:t>
+            </a:r>
+          </a:p>
+          <a:p>
+            <a:endParaRPr lang="it-IT" sz="1400" dirty="0">
+              <a:solidFill>
+                <a:srgbClr val="000000"/>
+              </a:solidFill>
+              <a:latin typeface="Consolas" panose="020B0609020204030204" pitchFamily="49" charset="0"/>
+            </a:endParaRPr>
+          </a:p>
+          <a:p>
+            <a:r>
+              <a:rPr lang="it-IT" sz="1400" dirty="0">
+                <a:solidFill>
+                  <a:srgbClr val="000000"/>
+                </a:solidFill>
+                <a:latin typeface="Consolas" panose="020B0609020204030204" pitchFamily="49" charset="0"/>
+              </a:rPr>
+              <a:t>      </a:t>
+            </a:r>
+            <a:r>
+              <a:rPr lang="it-IT" sz="1400" dirty="0" smtClean="0">
+                <a:solidFill>
+                  <a:srgbClr val="0000FF"/>
+                </a:solidFill>
+                <a:latin typeface="Consolas" panose="020B0609020204030204" pitchFamily="49" charset="0"/>
+              </a:rPr>
+              <a:t>string</a:t>
+            </a:r>
+            <a:r>
+              <a:rPr lang="it-IT" sz="1400" dirty="0" smtClean="0">
+                <a:solidFill>
+                  <a:srgbClr val="000000"/>
+                </a:solidFill>
+                <a:latin typeface="Consolas" panose="020B0609020204030204" pitchFamily="49" charset="0"/>
+              </a:rPr>
+              <a:t> </a:t>
+            </a:r>
+            <a:r>
+              <a:rPr lang="it-IT" sz="1400" dirty="0">
+                <a:solidFill>
+                  <a:srgbClr val="000000"/>
+                </a:solidFill>
+                <a:latin typeface="Consolas" panose="020B0609020204030204" pitchFamily="49" charset="0"/>
+              </a:rPr>
+              <a:t>content = Encoding.ASCII.GetString(receivedMessage.GetBytes());</a:t>
+            </a:r>
+          </a:p>
+          <a:p>
+            <a:r>
+              <a:rPr lang="it-IT" sz="1400" dirty="0" smtClean="0">
+                <a:solidFill>
+                  <a:srgbClr val="000000"/>
+                </a:solidFill>
+                <a:latin typeface="Consolas" panose="020B0609020204030204" pitchFamily="49" charset="0"/>
+              </a:rPr>
+              <a:t>      ...</a:t>
+            </a:r>
+            <a:endParaRPr lang="it-IT" sz="1400" dirty="0">
+              <a:solidFill>
+                <a:srgbClr val="000000"/>
+              </a:solidFill>
+              <a:latin typeface="Consolas" panose="020B0609020204030204" pitchFamily="49" charset="0"/>
+            </a:endParaRPr>
+          </a:p>
+          <a:p>
+            <a:r>
+              <a:rPr lang="it-IT" sz="1400" dirty="0" smtClean="0">
+                <a:solidFill>
+                  <a:srgbClr val="0000FF"/>
+                </a:solidFill>
+                <a:latin typeface="Consolas" panose="020B0609020204030204" pitchFamily="49" charset="0"/>
+              </a:rPr>
+              <a:t>      await</a:t>
+            </a:r>
+            <a:r>
+              <a:rPr lang="it-IT" sz="1400" dirty="0" smtClean="0">
+                <a:solidFill>
+                  <a:srgbClr val="000000"/>
+                </a:solidFill>
+                <a:latin typeface="Consolas" panose="020B0609020204030204" pitchFamily="49" charset="0"/>
+              </a:rPr>
+              <a:t> </a:t>
+            </a:r>
+            <a:r>
+              <a:rPr lang="it-IT" sz="1400" dirty="0">
+                <a:solidFill>
+                  <a:srgbClr val="000000"/>
+                </a:solidFill>
+                <a:latin typeface="Consolas" panose="020B0609020204030204" pitchFamily="49" charset="0"/>
+              </a:rPr>
+              <a:t>deviceClient.CompleteAsync(receivedMessage);</a:t>
+            </a:r>
+          </a:p>
+          <a:p>
+            <a:r>
+              <a:rPr lang="it-IT" sz="1400" dirty="0" smtClean="0">
+                <a:solidFill>
+                  <a:srgbClr val="000000"/>
+                </a:solidFill>
+                <a:latin typeface="Consolas" panose="020B0609020204030204" pitchFamily="49" charset="0"/>
+              </a:rPr>
+              <a:t>   }</a:t>
+            </a:r>
+            <a:endParaRPr lang="it-IT" sz="1400" dirty="0">
+              <a:solidFill>
+                <a:srgbClr val="000000"/>
+              </a:solidFill>
+              <a:latin typeface="Consolas" panose="020B0609020204030204" pitchFamily="49" charset="0"/>
+            </a:endParaRPr>
+          </a:p>
+          <a:p>
+            <a:r>
+              <a:rPr lang="it-IT" sz="1400" dirty="0" smtClean="0">
+                <a:solidFill>
+                  <a:srgbClr val="000000"/>
+                </a:solidFill>
+                <a:latin typeface="Consolas" panose="020B0609020204030204" pitchFamily="49" charset="0"/>
+              </a:rPr>
+              <a:t>}</a:t>
+            </a:r>
+            <a:endParaRPr lang="it-IT" sz="1400" dirty="0"/>
+          </a:p>
+        </p:txBody>
+      </p:sp>
+      <p:sp>
+        <p:nvSpPr>
+          <p:cNvPr id="9" name="Rectangle 8"/>
+          <p:cNvSpPr/>
+          <p:nvPr/>
+        </p:nvSpPr>
+        <p:spPr>
+          <a:xfrm>
+            <a:off x="304800" y="5223620"/>
+            <a:ext cx="10129684" cy="738664"/>
+          </a:xfrm>
+          <a:prstGeom prst="rect">
+            <a:avLst/>
+          </a:prstGeom>
+          <a:noFill/>
+          <a:ln w="9525" cap="flat" cmpd="sng" algn="ctr">
+            <a:solidFill>
+              <a:schemeClr val="dk1"/>
+            </a:solidFill>
+            <a:prstDash val="solid"/>
+            <a:round/>
+            <a:headEnd type="none" w="med" len="med"/>
+            <a:tailEnd type="none" w="med" len="med"/>
+          </a:ln>
+        </p:spPr>
+        <p:style>
+          <a:lnRef idx="0">
+            <a:scrgbClr r="0" g="0" b="0"/>
+          </a:lnRef>
+          <a:fillRef idx="0">
+            <a:scrgbClr r="0" g="0" b="0"/>
+          </a:fillRef>
+          <a:effectRef idx="0">
+            <a:scrgbClr r="0" g="0" b="0"/>
+          </a:effectRef>
+          <a:fontRef idx="minor">
+            <a:schemeClr val="dk1"/>
+          </a:fontRef>
+        </p:style>
+        <p:txBody>
+          <a:bodyPr wrap="square">
+            <a:spAutoFit/>
+          </a:bodyPr>
+          <a:lstStyle/>
+          <a:p>
+            <a:r>
+              <a:rPr lang="en-US" sz="1400" dirty="0">
+                <a:solidFill>
+                  <a:srgbClr val="0000FF"/>
+                </a:solidFill>
+                <a:latin typeface="Consolas" panose="020B0609020204030204" pitchFamily="49" charset="0"/>
+              </a:rPr>
+              <a:t>public</a:t>
+            </a:r>
+            <a:r>
+              <a:rPr lang="en-US" sz="1400" dirty="0">
+                <a:solidFill>
+                  <a:srgbClr val="000000"/>
+                </a:solidFill>
+                <a:latin typeface="Consolas" panose="020B0609020204030204" pitchFamily="49" charset="0"/>
+              </a:rPr>
+              <a:t> </a:t>
+            </a:r>
+            <a:r>
+              <a:rPr lang="en-US" sz="1400" dirty="0">
+                <a:solidFill>
+                  <a:srgbClr val="0000FF"/>
+                </a:solidFill>
+                <a:latin typeface="Consolas" panose="020B0609020204030204" pitchFamily="49" charset="0"/>
+              </a:rPr>
+              <a:t>static</a:t>
+            </a:r>
+            <a:r>
+              <a:rPr lang="en-US" sz="1400" dirty="0">
+                <a:solidFill>
+                  <a:srgbClr val="000000"/>
+                </a:solidFill>
+                <a:latin typeface="Consolas" panose="020B0609020204030204" pitchFamily="49" charset="0"/>
+              </a:rPr>
+              <a:t> </a:t>
+            </a:r>
+            <a:r>
+              <a:rPr lang="en-US" sz="1400" dirty="0">
+                <a:solidFill>
+                  <a:srgbClr val="009999"/>
+                </a:solidFill>
+                <a:latin typeface="Consolas" panose="020B0609020204030204" pitchFamily="49" charset="0"/>
+              </a:rPr>
+              <a:t>Task</a:t>
+            </a:r>
+            <a:r>
+              <a:rPr lang="en-US" sz="1400" dirty="0">
+                <a:solidFill>
+                  <a:srgbClr val="000000"/>
+                </a:solidFill>
+                <a:latin typeface="Consolas" panose="020B0609020204030204" pitchFamily="49" charset="0"/>
+              </a:rPr>
+              <a:t>&lt;</a:t>
+            </a:r>
+            <a:r>
+              <a:rPr lang="en-US" sz="1400" dirty="0" err="1">
+                <a:solidFill>
+                  <a:srgbClr val="009999"/>
+                </a:solidFill>
+                <a:latin typeface="Consolas" panose="020B0609020204030204" pitchFamily="49" charset="0"/>
+              </a:rPr>
+              <a:t>MethodResponse</a:t>
+            </a:r>
+            <a:r>
+              <a:rPr lang="en-US" sz="1400" dirty="0">
+                <a:solidFill>
+                  <a:srgbClr val="000000"/>
+                </a:solidFill>
+                <a:latin typeface="Consolas" panose="020B0609020204030204" pitchFamily="49" charset="0"/>
+              </a:rPr>
+              <a:t>&gt; </a:t>
+            </a:r>
+            <a:r>
+              <a:rPr lang="it-IT" sz="1400" dirty="0">
+                <a:solidFill>
+                  <a:srgbClr val="000000"/>
+                </a:solidFill>
+                <a:latin typeface="Consolas" panose="020B0609020204030204" pitchFamily="49" charset="0"/>
+              </a:rPr>
+              <a:t>DeviceMethod</a:t>
+            </a:r>
+            <a:r>
+              <a:rPr lang="en-US" sz="1400" dirty="0" smtClean="0">
+                <a:solidFill>
+                  <a:srgbClr val="000000"/>
+                </a:solidFill>
+                <a:latin typeface="Consolas" panose="020B0609020204030204" pitchFamily="49" charset="0"/>
+              </a:rPr>
+              <a:t>(</a:t>
+            </a:r>
+            <a:r>
+              <a:rPr lang="en-US" sz="1400" dirty="0" err="1" smtClean="0">
+                <a:solidFill>
+                  <a:srgbClr val="009999"/>
+                </a:solidFill>
+                <a:latin typeface="Consolas" panose="020B0609020204030204" pitchFamily="49" charset="0"/>
+              </a:rPr>
+              <a:t>MethodRequest</a:t>
+            </a:r>
+            <a:r>
+              <a:rPr lang="en-US" sz="1400" dirty="0" smtClean="0">
+                <a:solidFill>
+                  <a:srgbClr val="000000"/>
+                </a:solidFill>
+                <a:latin typeface="Consolas" panose="020B0609020204030204" pitchFamily="49" charset="0"/>
+              </a:rPr>
+              <a:t> </a:t>
+            </a:r>
+            <a:r>
+              <a:rPr lang="en-US" sz="1400" dirty="0" err="1">
+                <a:solidFill>
+                  <a:srgbClr val="000000"/>
+                </a:solidFill>
+                <a:latin typeface="Consolas" panose="020B0609020204030204" pitchFamily="49" charset="0"/>
+              </a:rPr>
+              <a:t>methodRequest</a:t>
+            </a:r>
+            <a:r>
+              <a:rPr lang="en-US" sz="1400" dirty="0">
+                <a:solidFill>
+                  <a:srgbClr val="000000"/>
+                </a:solidFill>
+                <a:latin typeface="Consolas" panose="020B0609020204030204" pitchFamily="49" charset="0"/>
+              </a:rPr>
+              <a:t>, </a:t>
+            </a:r>
+            <a:r>
+              <a:rPr lang="en-US" sz="1400" dirty="0">
+                <a:solidFill>
+                  <a:srgbClr val="0000FF"/>
+                </a:solidFill>
+                <a:latin typeface="Consolas" panose="020B0609020204030204" pitchFamily="49" charset="0"/>
+              </a:rPr>
+              <a:t>object</a:t>
+            </a:r>
+            <a:r>
+              <a:rPr lang="en-US" sz="1400" dirty="0">
+                <a:solidFill>
+                  <a:srgbClr val="000000"/>
+                </a:solidFill>
+                <a:latin typeface="Consolas" panose="020B0609020204030204" pitchFamily="49" charset="0"/>
+              </a:rPr>
+              <a:t> </a:t>
+            </a:r>
+            <a:r>
+              <a:rPr lang="en-US" sz="1400" dirty="0" err="1">
+                <a:solidFill>
+                  <a:srgbClr val="000000"/>
+                </a:solidFill>
+                <a:latin typeface="Consolas" panose="020B0609020204030204" pitchFamily="49" charset="0"/>
+              </a:rPr>
+              <a:t>userContext</a:t>
+            </a:r>
+            <a:r>
+              <a:rPr lang="en-US" sz="1400" dirty="0" smtClean="0">
+                <a:solidFill>
+                  <a:srgbClr val="000000"/>
+                </a:solidFill>
+                <a:latin typeface="Consolas" panose="020B0609020204030204" pitchFamily="49" charset="0"/>
+              </a:rPr>
+              <a:t>)</a:t>
+            </a:r>
+            <a:r>
+              <a:rPr lang="it-IT" sz="1400" dirty="0" smtClean="0">
+                <a:solidFill>
+                  <a:srgbClr val="000000"/>
+                </a:solidFill>
+                <a:latin typeface="Consolas" panose="020B0609020204030204" pitchFamily="49" charset="0"/>
+              </a:rPr>
+              <a:t> {</a:t>
+            </a:r>
+            <a:endParaRPr lang="it-IT" sz="1400" dirty="0" smtClean="0"/>
+          </a:p>
+          <a:p>
+            <a:r>
+              <a:rPr lang="it-IT" sz="1400" dirty="0">
+                <a:solidFill>
+                  <a:srgbClr val="000000"/>
+                </a:solidFill>
+                <a:latin typeface="Consolas" panose="020B0609020204030204" pitchFamily="49" charset="0"/>
+              </a:rPr>
+              <a:t> </a:t>
+            </a:r>
+            <a:r>
+              <a:rPr lang="it-IT" sz="1400" dirty="0" smtClean="0">
+                <a:solidFill>
+                  <a:srgbClr val="000000"/>
+                </a:solidFill>
+                <a:latin typeface="Consolas" panose="020B0609020204030204" pitchFamily="49" charset="0"/>
+              </a:rPr>
+              <a:t>  ...</a:t>
+            </a:r>
+          </a:p>
+          <a:p>
+            <a:r>
+              <a:rPr lang="it-IT" sz="1400" dirty="0">
+                <a:solidFill>
+                  <a:srgbClr val="000000"/>
+                </a:solidFill>
+                <a:latin typeface="Consolas" panose="020B0609020204030204" pitchFamily="49" charset="0"/>
+              </a:rPr>
+              <a:t>}</a:t>
+            </a:r>
+            <a:endParaRPr lang="it-IT" sz="1400" dirty="0" smtClean="0">
+              <a:solidFill>
+                <a:srgbClr val="000000"/>
+              </a:solidFill>
+              <a:latin typeface="Consolas" panose="020B0609020204030204" pitchFamily="49" charset="0"/>
+            </a:endParaRPr>
+          </a:p>
+        </p:txBody>
+      </p:sp>
+    </p:spTree>
+    <p:extLst>
+      <p:ext uri="{BB962C8B-B14F-4D97-AF65-F5344CB8AC3E}">
+        <p14:creationId xmlns:p14="http://schemas.microsoft.com/office/powerpoint/2010/main" val="4233522010"/>
+      </p:ext>
+    </p:extLst>
+  </p:cSld>
+  <p:clrMapOvr>
+    <a:masterClrMapping/>
+  </p:clrMapOvr>
+  <p:timing>
+    <p:tnLst>
+      <p:par>
+        <p:cTn id="1" dur="indefinite" restart="never" nodeType="tmRoot"/>
+      </p:par>
+    </p:tnLst>
+  </p:timing>
+</p:sld>
+</file>
+
+<file path=ppt/slides/slide11.xml><?xml version="1.0" encoding="utf-8"?>
 <p:sld xmlns:a="http://schemas.openxmlformats.org/drawingml/2006/main" xmlns:r="http://schemas.openxmlformats.org/officeDocument/2006/relationships" xmlns:p="http://schemas.openxmlformats.org/presentationml/2006/main">
   <p:cSld>
     <p:spTree>
@@ -3368,223 +5228,6 @@
           </a:p>
         </p:txBody>
       </p:sp>
-      <p:sp>
-        <p:nvSpPr>
-          <p:cNvPr id="8" name="Rectangle 7"/>
-          <p:cNvSpPr/>
-          <p:nvPr/>
-        </p:nvSpPr>
-        <p:spPr>
-          <a:xfrm>
-            <a:off x="830020" y="4400532"/>
-            <a:ext cx="10821206" cy="2308324"/>
-          </a:xfrm>
-          <a:prstGeom prst="rect">
-            <a:avLst/>
-          </a:prstGeom>
-        </p:spPr>
-        <p:txBody>
-          <a:bodyPr wrap="square">
-            <a:spAutoFit/>
-          </a:bodyPr>
-          <a:lstStyle/>
-          <a:p>
-            <a:pPr marL="457200" lvl="0" indent="-457200">
-              <a:lnSpc>
-                <a:spcPct val="150000"/>
-              </a:lnSpc>
-              <a:buFont typeface="+mj-lt"/>
-              <a:buAutoNum type="arabicPeriod"/>
-            </a:pPr>
-            <a:r>
-              <a:rPr lang="it-IT" sz="2400" dirty="0" smtClean="0">
-                <a:solidFill>
-                  <a:prstClr val="black"/>
-                </a:solidFill>
-                <a:latin typeface="Segoe UI" panose="020B0502040204020203" pitchFamily="34" charset="0"/>
-                <a:cs typeface="Segoe UI" panose="020B0502040204020203" pitchFamily="34" charset="0"/>
-              </a:rPr>
-              <a:t>Visual Studio with C# console application</a:t>
-            </a:r>
-          </a:p>
-          <a:p>
-            <a:pPr marL="457200" indent="-457200">
-              <a:lnSpc>
-                <a:spcPct val="150000"/>
-              </a:lnSpc>
-              <a:buFont typeface="+mj-lt"/>
-              <a:buAutoNum type="arabicPeriod"/>
-            </a:pPr>
-            <a:r>
-              <a:rPr lang="it-IT" sz="2400" dirty="0">
-                <a:solidFill>
-                  <a:prstClr val="black"/>
-                </a:solidFill>
-                <a:latin typeface="Segoe UI" panose="020B0502040204020203" pitchFamily="34" charset="0"/>
-                <a:cs typeface="Segoe UI" panose="020B0502040204020203" pitchFamily="34" charset="0"/>
-              </a:rPr>
-              <a:t>Let’s subdivide in teams (max 20</a:t>
-            </a:r>
-            <a:r>
-              <a:rPr lang="it-IT" sz="2400" dirty="0" smtClean="0">
-                <a:solidFill>
-                  <a:prstClr val="black"/>
-                </a:solidFill>
-                <a:latin typeface="Segoe UI" panose="020B0502040204020203" pitchFamily="34" charset="0"/>
-                <a:cs typeface="Segoe UI" panose="020B0502040204020203" pitchFamily="34" charset="0"/>
-              </a:rPr>
-              <a:t>)</a:t>
-            </a:r>
-            <a:endParaRPr lang="it-IT" sz="2400" dirty="0">
-              <a:solidFill>
-                <a:prstClr val="black"/>
-              </a:solidFill>
-              <a:latin typeface="Segoe UI" panose="020B0502040204020203" pitchFamily="34" charset="0"/>
-              <a:cs typeface="Segoe UI" panose="020B0502040204020203" pitchFamily="34" charset="0"/>
-            </a:endParaRPr>
-          </a:p>
-          <a:p>
-            <a:pPr marL="457200" lvl="0" indent="-457200">
-              <a:lnSpc>
-                <a:spcPct val="150000"/>
-              </a:lnSpc>
-              <a:buFont typeface="+mj-lt"/>
-              <a:buAutoNum type="arabicPeriod"/>
-            </a:pPr>
-            <a:r>
-              <a:rPr lang="it-IT" sz="2400" dirty="0">
-                <a:solidFill>
-                  <a:prstClr val="black"/>
-                </a:solidFill>
-                <a:latin typeface="Segoe UI" panose="020B0502040204020203" pitchFamily="34" charset="0"/>
-                <a:cs typeface="Segoe UI" panose="020B0502040204020203" pitchFamily="34" charset="0"/>
-              </a:rPr>
-              <a:t>Download common library: </a:t>
-            </a:r>
-            <a:r>
-              <a:rPr lang="it-IT" sz="2400" dirty="0">
-                <a:latin typeface="Segoe UI" panose="020B0502040204020203" pitchFamily="34" charset="0"/>
-                <a:cs typeface="Segoe UI" panose="020B0502040204020203" pitchFamily="34" charset="0"/>
-                <a:hlinkClick r:id="rId2"/>
-              </a:rPr>
-              <a:t>https://</a:t>
-            </a:r>
-            <a:r>
-              <a:rPr lang="it-IT" sz="2400" dirty="0" smtClean="0">
-                <a:latin typeface="Segoe UI" panose="020B0502040204020203" pitchFamily="34" charset="0"/>
-                <a:cs typeface="Segoe UI" panose="020B0502040204020203" pitchFamily="34" charset="0"/>
-                <a:hlinkClick r:id="rId2"/>
-              </a:rPr>
-              <a:t>goo.gl/oHTLcv</a:t>
-            </a:r>
-            <a:endParaRPr lang="it-IT" sz="2400" dirty="0" smtClean="0">
-              <a:latin typeface="Segoe UI" panose="020B0502040204020203" pitchFamily="34" charset="0"/>
-              <a:cs typeface="Segoe UI" panose="020B0502040204020203" pitchFamily="34" charset="0"/>
-            </a:endParaRPr>
-          </a:p>
-          <a:p>
-            <a:pPr marL="457200" lvl="0" indent="-457200">
-              <a:lnSpc>
-                <a:spcPct val="150000"/>
-              </a:lnSpc>
-              <a:buFont typeface="+mj-lt"/>
-              <a:buAutoNum type="arabicPeriod"/>
-            </a:pPr>
-            <a:r>
-              <a:rPr lang="it-IT" sz="2400" dirty="0" smtClean="0">
-                <a:solidFill>
-                  <a:prstClr val="black"/>
-                </a:solidFill>
-                <a:latin typeface="Segoe UI" panose="020B0502040204020203" pitchFamily="34" charset="0"/>
-                <a:cs typeface="Segoe UI" panose="020B0502040204020203" pitchFamily="34" charset="0"/>
-              </a:rPr>
-              <a:t>Create </a:t>
-            </a:r>
-            <a:r>
-              <a:rPr lang="it-IT" sz="2400" dirty="0">
-                <a:solidFill>
-                  <a:prstClr val="black"/>
-                </a:solidFill>
-                <a:latin typeface="Segoe UI" panose="020B0502040204020203" pitchFamily="34" charset="0"/>
-                <a:cs typeface="Segoe UI" panose="020B0502040204020203" pitchFamily="34" charset="0"/>
-              </a:rPr>
-              <a:t>a new c# solution with a console </a:t>
-            </a:r>
-            <a:r>
-              <a:rPr lang="it-IT" sz="2400" dirty="0" smtClean="0">
-                <a:solidFill>
-                  <a:prstClr val="black"/>
-                </a:solidFill>
-                <a:latin typeface="Segoe UI" panose="020B0502040204020203" pitchFamily="34" charset="0"/>
-                <a:cs typeface="Segoe UI" panose="020B0502040204020203" pitchFamily="34" charset="0"/>
-              </a:rPr>
-              <a:t>app and reference IotLab.Common</a:t>
-            </a:r>
-            <a:endParaRPr lang="it-IT" sz="2400" dirty="0">
-              <a:solidFill>
-                <a:prstClr val="black"/>
-              </a:solidFill>
-              <a:latin typeface="Segoe UI" panose="020B0502040204020203" pitchFamily="34" charset="0"/>
-              <a:cs typeface="Segoe UI" panose="020B0502040204020203" pitchFamily="34" charset="0"/>
-            </a:endParaRPr>
-          </a:p>
-        </p:txBody>
-      </p:sp>
-      <p:sp>
-        <p:nvSpPr>
-          <p:cNvPr id="9" name="Rectangle 8"/>
-          <p:cNvSpPr/>
-          <p:nvPr/>
-        </p:nvSpPr>
-        <p:spPr>
-          <a:xfrm>
-            <a:off x="235091" y="3412662"/>
-            <a:ext cx="3401700" cy="707886"/>
-          </a:xfrm>
-          <a:prstGeom prst="rect">
-            <a:avLst/>
-          </a:prstGeom>
-        </p:spPr>
-        <p:txBody>
-          <a:bodyPr wrap="none">
-            <a:spAutoFit/>
-          </a:bodyPr>
-          <a:lstStyle/>
-          <a:p>
-            <a:r>
-              <a:rPr lang="it-IT" sz="4000" dirty="0" smtClean="0">
-                <a:ln w="0">
-                  <a:solidFill>
-                    <a:schemeClr val="bg1"/>
-                  </a:solidFill>
-                </a:ln>
-                <a:solidFill>
-                  <a:schemeClr val="accent3">
-                    <a:lumMod val="50000"/>
-                  </a:schemeClr>
-                </a:solidFill>
-                <a:latin typeface="Segoe UI" panose="020B0502040204020203" pitchFamily="34" charset="0"/>
-                <a:cs typeface="Segoe UI" panose="020B0502040204020203" pitchFamily="34" charset="0"/>
-              </a:rPr>
-              <a:t>Requirements:</a:t>
-            </a:r>
-            <a:endParaRPr lang="it-IT" sz="4000" dirty="0">
-              <a:ln w="0">
-                <a:solidFill>
-                  <a:schemeClr val="bg1"/>
-                </a:solidFill>
-              </a:ln>
-              <a:solidFill>
-                <a:schemeClr val="accent3">
-                  <a:lumMod val="50000"/>
-                </a:schemeClr>
-              </a:solidFill>
-              <a:latin typeface="Segoe UI" panose="020B0502040204020203" pitchFamily="34" charset="0"/>
-              <a:cs typeface="Segoe UI" panose="020B0502040204020203" pitchFamily="34" charset="0"/>
-            </a:endParaRPr>
-          </a:p>
-        </p:txBody>
-      </p:sp>
     </p:spTree>
     <p:extLst>
       <p:ext uri="{BB962C8B-B14F-4D97-AF65-F5344CB8AC3E}">
@@ -3605,7 +5248,364 @@
 </p:sld>
 </file>
 
-<file path=ppt/slides/slide11.xml><?xml version="1.0" encoding="utf-8"?>
+<file path=ppt/slides/slide12.xml><?xml version="1.0" encoding="utf-8"?>
+<p:sld xmlns:a="http://schemas.openxmlformats.org/drawingml/2006/main" xmlns:r="http://schemas.openxmlformats.org/officeDocument/2006/relationships" xmlns:p="http://schemas.openxmlformats.org/presentationml/2006/main" show="0">
+  <p:cSld>
+    <p:spTree>
+      <p:nvGrpSpPr>
+        <p:cNvPr id="1" name=""/>
+        <p:cNvGrpSpPr/>
+        <p:nvPr/>
+      </p:nvGrpSpPr>
+      <p:grpSpPr>
+        <a:xfrm>
+          <a:off x="0" y="0"/>
+          <a:ext cx="0" cy="0"/>
+          <a:chOff x="0" y="0"/>
+          <a:chExt cx="0" cy="0"/>
+        </a:xfrm>
+      </p:grpSpPr>
+      <p:sp>
+        <p:nvSpPr>
+          <p:cNvPr id="5" name="Rectangle 4"/>
+          <p:cNvSpPr/>
+          <p:nvPr/>
+        </p:nvSpPr>
+        <p:spPr>
+          <a:xfrm>
+            <a:off x="785775" y="1126390"/>
+            <a:ext cx="10821206" cy="2862322"/>
+          </a:xfrm>
+          <a:prstGeom prst="rect">
+            <a:avLst/>
+          </a:prstGeom>
+        </p:spPr>
+        <p:txBody>
+          <a:bodyPr wrap="square">
+            <a:spAutoFit/>
+          </a:bodyPr>
+          <a:lstStyle/>
+          <a:p>
+            <a:pPr marL="457200" lvl="0" indent="-457200">
+              <a:lnSpc>
+                <a:spcPct val="150000"/>
+              </a:lnSpc>
+              <a:buFont typeface="+mj-lt"/>
+              <a:buAutoNum type="arabicPeriod"/>
+            </a:pPr>
+            <a:r>
+              <a:rPr lang="it-IT" sz="2400" dirty="0" smtClean="0">
+                <a:solidFill>
+                  <a:prstClr val="black"/>
+                </a:solidFill>
+                <a:latin typeface="Segoe UI" panose="020B0502040204020203" pitchFamily="34" charset="0"/>
+                <a:cs typeface="Segoe UI" panose="020B0502040204020203" pitchFamily="34" charset="0"/>
+              </a:rPr>
+              <a:t>Visual Studio (or Visual Studio Code) with C# console application</a:t>
+            </a:r>
+          </a:p>
+          <a:p>
+            <a:pPr marL="457200" indent="-457200">
+              <a:lnSpc>
+                <a:spcPct val="150000"/>
+              </a:lnSpc>
+              <a:buFont typeface="+mj-lt"/>
+              <a:buAutoNum type="arabicPeriod"/>
+            </a:pPr>
+            <a:r>
+              <a:rPr lang="it-IT" sz="2400" dirty="0">
+                <a:solidFill>
+                  <a:prstClr val="black"/>
+                </a:solidFill>
+                <a:latin typeface="Segoe UI" panose="020B0502040204020203" pitchFamily="34" charset="0"/>
+                <a:cs typeface="Segoe UI" panose="020B0502040204020203" pitchFamily="34" charset="0"/>
+              </a:rPr>
+              <a:t>Let’s subdivide in teams (max 20</a:t>
+            </a:r>
+            <a:r>
+              <a:rPr lang="it-IT" sz="2400" dirty="0" smtClean="0">
+                <a:solidFill>
+                  <a:prstClr val="black"/>
+                </a:solidFill>
+                <a:latin typeface="Segoe UI" panose="020B0502040204020203" pitchFamily="34" charset="0"/>
+                <a:cs typeface="Segoe UI" panose="020B0502040204020203" pitchFamily="34" charset="0"/>
+              </a:rPr>
+              <a:t>)</a:t>
+            </a:r>
+            <a:endParaRPr lang="it-IT" sz="2400" dirty="0">
+              <a:solidFill>
+                <a:prstClr val="black"/>
+              </a:solidFill>
+              <a:latin typeface="Segoe UI" panose="020B0502040204020203" pitchFamily="34" charset="0"/>
+              <a:cs typeface="Segoe UI" panose="020B0502040204020203" pitchFamily="34" charset="0"/>
+            </a:endParaRPr>
+          </a:p>
+          <a:p>
+            <a:pPr marL="457200" lvl="0" indent="-457200">
+              <a:lnSpc>
+                <a:spcPct val="150000"/>
+              </a:lnSpc>
+              <a:buFont typeface="+mj-lt"/>
+              <a:buAutoNum type="arabicPeriod"/>
+            </a:pPr>
+            <a:r>
+              <a:rPr lang="it-IT" sz="2400" dirty="0">
+                <a:solidFill>
+                  <a:prstClr val="black"/>
+                </a:solidFill>
+                <a:latin typeface="Segoe UI" panose="020B0502040204020203" pitchFamily="34" charset="0"/>
+                <a:cs typeface="Segoe UI" panose="020B0502040204020203" pitchFamily="34" charset="0"/>
+              </a:rPr>
+              <a:t>Download common library: </a:t>
+            </a:r>
+            <a:r>
+              <a:rPr lang="it-IT" sz="2400" dirty="0">
+                <a:latin typeface="Segoe UI" panose="020B0502040204020203" pitchFamily="34" charset="0"/>
+                <a:cs typeface="Segoe UI" panose="020B0502040204020203" pitchFamily="34" charset="0"/>
+                <a:hlinkClick r:id="rId2"/>
+              </a:rPr>
+              <a:t>https://</a:t>
+            </a:r>
+            <a:r>
+              <a:rPr lang="it-IT" sz="2400" dirty="0" smtClean="0">
+                <a:latin typeface="Segoe UI" panose="020B0502040204020203" pitchFamily="34" charset="0"/>
+                <a:cs typeface="Segoe UI" panose="020B0502040204020203" pitchFamily="34" charset="0"/>
+                <a:hlinkClick r:id="rId2"/>
+              </a:rPr>
+              <a:t>goo.gl/oHTLcv</a:t>
+            </a:r>
+            <a:endParaRPr lang="it-IT" sz="2400" dirty="0" smtClean="0">
+              <a:latin typeface="Segoe UI" panose="020B0502040204020203" pitchFamily="34" charset="0"/>
+              <a:cs typeface="Segoe UI" panose="020B0502040204020203" pitchFamily="34" charset="0"/>
+            </a:endParaRPr>
+          </a:p>
+          <a:p>
+            <a:pPr marL="457200" lvl="0" indent="-457200">
+              <a:lnSpc>
+                <a:spcPct val="150000"/>
+              </a:lnSpc>
+              <a:buFont typeface="+mj-lt"/>
+              <a:buAutoNum type="arabicPeriod"/>
+            </a:pPr>
+            <a:r>
+              <a:rPr lang="it-IT" sz="2400" dirty="0" smtClean="0">
+                <a:solidFill>
+                  <a:prstClr val="black"/>
+                </a:solidFill>
+                <a:latin typeface="Segoe UI" panose="020B0502040204020203" pitchFamily="34" charset="0"/>
+                <a:cs typeface="Segoe UI" panose="020B0502040204020203" pitchFamily="34" charset="0"/>
+              </a:rPr>
+              <a:t>Create </a:t>
+            </a:r>
+            <a:r>
+              <a:rPr lang="it-IT" sz="2400" dirty="0">
+                <a:solidFill>
+                  <a:prstClr val="black"/>
+                </a:solidFill>
+                <a:latin typeface="Segoe UI" panose="020B0502040204020203" pitchFamily="34" charset="0"/>
+                <a:cs typeface="Segoe UI" panose="020B0502040204020203" pitchFamily="34" charset="0"/>
+              </a:rPr>
+              <a:t>a new c# solution with a console </a:t>
+            </a:r>
+            <a:r>
+              <a:rPr lang="it-IT" sz="2400" dirty="0" smtClean="0">
+                <a:solidFill>
+                  <a:prstClr val="black"/>
+                </a:solidFill>
+                <a:latin typeface="Segoe UI" panose="020B0502040204020203" pitchFamily="34" charset="0"/>
+                <a:cs typeface="Segoe UI" panose="020B0502040204020203" pitchFamily="34" charset="0"/>
+              </a:rPr>
+              <a:t>app and reference IotLab.Common</a:t>
+            </a:r>
+          </a:p>
+          <a:p>
+            <a:pPr marL="457200" lvl="0" indent="-457200">
+              <a:lnSpc>
+                <a:spcPct val="150000"/>
+              </a:lnSpc>
+              <a:buFont typeface="+mj-lt"/>
+              <a:buAutoNum type="arabicPeriod"/>
+            </a:pPr>
+            <a:r>
+              <a:rPr lang="it-IT" sz="2400" dirty="0">
+                <a:solidFill>
+                  <a:prstClr val="black"/>
+                </a:solidFill>
+                <a:latin typeface="Segoe UI" panose="020B0502040204020203" pitchFamily="34" charset="0"/>
+                <a:cs typeface="Segoe UI" panose="020B0502040204020203" pitchFamily="34" charset="0"/>
+              </a:rPr>
+              <a:t>Install NuGet </a:t>
+            </a:r>
+            <a:r>
+              <a:rPr lang="it-IT" sz="2400" dirty="0" smtClean="0">
+                <a:solidFill>
+                  <a:prstClr val="black"/>
+                </a:solidFill>
+                <a:latin typeface="Segoe UI" panose="020B0502040204020203" pitchFamily="34" charset="0"/>
+                <a:cs typeface="Segoe UI" panose="020B0502040204020203" pitchFamily="34" charset="0"/>
+              </a:rPr>
+              <a:t>Microsoft.Azure.Devices</a:t>
+            </a:r>
+            <a:endParaRPr lang="it-IT" sz="2400" dirty="0">
+              <a:solidFill>
+                <a:prstClr val="black"/>
+              </a:solidFill>
+              <a:latin typeface="Segoe UI" panose="020B0502040204020203" pitchFamily="34" charset="0"/>
+              <a:cs typeface="Segoe UI" panose="020B0502040204020203" pitchFamily="34" charset="0"/>
+            </a:endParaRPr>
+          </a:p>
+        </p:txBody>
+      </p:sp>
+      <p:sp>
+        <p:nvSpPr>
+          <p:cNvPr id="6" name="Rectangle 5"/>
+          <p:cNvSpPr/>
+          <p:nvPr/>
+        </p:nvSpPr>
+        <p:spPr>
+          <a:xfrm>
+            <a:off x="190846" y="138520"/>
+            <a:ext cx="3401700" cy="707886"/>
+          </a:xfrm>
+          <a:prstGeom prst="rect">
+            <a:avLst/>
+          </a:prstGeom>
+        </p:spPr>
+        <p:txBody>
+          <a:bodyPr wrap="none">
+            <a:spAutoFit/>
+          </a:bodyPr>
+          <a:lstStyle/>
+          <a:p>
+            <a:r>
+              <a:rPr lang="it-IT" sz="4000" dirty="0" smtClean="0">
+                <a:ln w="0">
+                  <a:solidFill>
+                    <a:schemeClr val="bg1"/>
+                  </a:solidFill>
+                </a:ln>
+                <a:solidFill>
+                  <a:schemeClr val="accent3">
+                    <a:lumMod val="50000"/>
+                  </a:schemeClr>
+                </a:solidFill>
+                <a:latin typeface="Segoe UI" panose="020B0502040204020203" pitchFamily="34" charset="0"/>
+                <a:cs typeface="Segoe UI" panose="020B0502040204020203" pitchFamily="34" charset="0"/>
+              </a:rPr>
+              <a:t>Requirements:</a:t>
+            </a:r>
+            <a:endParaRPr lang="it-IT" sz="4000" dirty="0">
+              <a:ln w="0">
+                <a:solidFill>
+                  <a:schemeClr val="bg1"/>
+                </a:solidFill>
+              </a:ln>
+              <a:solidFill>
+                <a:schemeClr val="accent3">
+                  <a:lumMod val="50000"/>
+                </a:schemeClr>
+              </a:solidFill>
+              <a:latin typeface="Segoe UI" panose="020B0502040204020203" pitchFamily="34" charset="0"/>
+              <a:cs typeface="Segoe UI" panose="020B0502040204020203" pitchFamily="34" charset="0"/>
+            </a:endParaRPr>
+          </a:p>
+        </p:txBody>
+      </p:sp>
+      <p:sp>
+        <p:nvSpPr>
+          <p:cNvPr id="8" name="Rectangle 7"/>
+          <p:cNvSpPr/>
+          <p:nvPr/>
+        </p:nvSpPr>
+        <p:spPr>
+          <a:xfrm>
+            <a:off x="785775" y="5102631"/>
+            <a:ext cx="4883645" cy="369332"/>
+          </a:xfrm>
+          <a:prstGeom prst="rect">
+            <a:avLst/>
+          </a:prstGeom>
+        </p:spPr>
+        <p:txBody>
+          <a:bodyPr wrap="none">
+            <a:spAutoFit/>
+          </a:bodyPr>
+          <a:lstStyle/>
+          <a:p>
+            <a:r>
+              <a:rPr lang="it-IT" dirty="0" smtClean="0">
+                <a:latin typeface="Segoe UI" panose="020B0502040204020203" pitchFamily="34" charset="0"/>
+                <a:cs typeface="Segoe UI" panose="020B0502040204020203" pitchFamily="34" charset="0"/>
+              </a:rPr>
+              <a:t>For Visual Studio Code: </a:t>
+            </a:r>
+            <a:r>
+              <a:rPr lang="it-IT" dirty="0" smtClean="0">
+                <a:latin typeface="Segoe UI" panose="020B0502040204020203" pitchFamily="34" charset="0"/>
+                <a:cs typeface="Segoe UI" panose="020B0502040204020203" pitchFamily="34" charset="0"/>
+                <a:hlinkClick r:id="rId3"/>
+              </a:rPr>
+              <a:t>https</a:t>
+            </a:r>
+            <a:r>
+              <a:rPr lang="it-IT" dirty="0">
+                <a:latin typeface="Segoe UI" panose="020B0502040204020203" pitchFamily="34" charset="0"/>
+                <a:cs typeface="Segoe UI" panose="020B0502040204020203" pitchFamily="34" charset="0"/>
+                <a:hlinkClick r:id="rId3"/>
+              </a:rPr>
+              <a:t>://</a:t>
+            </a:r>
+            <a:r>
+              <a:rPr lang="it-IT" dirty="0" smtClean="0">
+                <a:latin typeface="Segoe UI" panose="020B0502040204020203" pitchFamily="34" charset="0"/>
+                <a:cs typeface="Segoe UI" panose="020B0502040204020203" pitchFamily="34" charset="0"/>
+                <a:hlinkClick r:id="rId3"/>
+              </a:rPr>
+              <a:t>goo.gl/jtYWnY</a:t>
+            </a:r>
+            <a:r>
+              <a:rPr lang="it-IT" dirty="0" smtClean="0">
+                <a:latin typeface="Segoe UI" panose="020B0502040204020203" pitchFamily="34" charset="0"/>
+                <a:cs typeface="Segoe UI" panose="020B0502040204020203" pitchFamily="34" charset="0"/>
+              </a:rPr>
+              <a:t> </a:t>
+            </a:r>
+            <a:endParaRPr lang="it-IT" dirty="0">
+              <a:latin typeface="Segoe UI" panose="020B0502040204020203" pitchFamily="34" charset="0"/>
+              <a:cs typeface="Segoe UI" panose="020B0502040204020203" pitchFamily="34" charset="0"/>
+            </a:endParaRPr>
+          </a:p>
+        </p:txBody>
+      </p:sp>
+    </p:spTree>
+    <p:extLst>
+      <p:ext uri="{BB962C8B-B14F-4D97-AF65-F5344CB8AC3E}">
+        <p14:creationId xmlns:p14="http://schemas.microsoft.com/office/powerpoint/2010/main" val="3380469460"/>
+      </p:ext>
+    </p:extLst>
+  </p:cSld>
+  <p:clrMapOvr>
+    <a:masterClrMapping/>
+  </p:clrMapOvr>
+  <mc:AlternateContent xmlns:mc="http://schemas.openxmlformats.org/markup-compatibility/2006">
+    <mc:Choice xmlns:p14="http://schemas.microsoft.com/office/powerpoint/2010/main" Requires="p14">
+      <p:transition spd="slow" p14:dur="2000"/>
+    </mc:Choice>
+    <mc:Fallback>
+      <p:transition spd="slow"/>
+    </mc:Fallback>
+  </mc:AlternateContent>
+  <p:timing>
+    <p:tnLst>
+      <p:par>
+        <p:cTn id="1" dur="indefinite" restart="never" nodeType="tmRoot"/>
+      </p:par>
+    </p:tnLst>
+  </p:timing>
+</p:sld>
+</file>
+
+<file path=ppt/slides/slide13.xml><?xml version="1.0" encoding="utf-8"?>
 <p:sld xmlns:a="http://schemas.openxmlformats.org/drawingml/2006/main" xmlns:r="http://schemas.openxmlformats.org/officeDocument/2006/relationships" xmlns:p="http://schemas.openxmlformats.org/presentationml/2006/main">
   <p:cSld>
     <p:bg>
@@ -4101,7 +6101,7 @@
 </p:sld>
 </file>
 
-<file path=ppt/slides/slide12.xml><?xml version="1.0" encoding="utf-8"?>
+<file path=ppt/slides/slide14.xml><?xml version="1.0" encoding="utf-8"?>
 <p:sld xmlns:a="http://schemas.openxmlformats.org/drawingml/2006/main" xmlns:r="http://schemas.openxmlformats.org/officeDocument/2006/relationships" xmlns:p="http://schemas.openxmlformats.org/presentationml/2006/main">
   <p:cSld>
     <p:spTree>
@@ -4266,7 +6266,7 @@
         </p:nvSpPr>
         <p:spPr>
           <a:xfrm>
-            <a:off x="376084" y="943897"/>
+            <a:off x="443866" y="1746615"/>
             <a:ext cx="11385755" cy="584775"/>
           </a:xfrm>
           <a:prstGeom prst="rect">
@@ -4319,7 +6319,7 @@
         </p:nvSpPr>
         <p:spPr>
           <a:xfrm>
-            <a:off x="376084" y="1754491"/>
+            <a:off x="443866" y="2557209"/>
             <a:ext cx="11223522" cy="1569660"/>
           </a:xfrm>
           <a:prstGeom prst="rect">
@@ -4507,7 +6507,7 @@
         </p:nvSpPr>
         <p:spPr>
           <a:xfrm>
-            <a:off x="376083" y="3483868"/>
+            <a:off x="443865" y="4286586"/>
             <a:ext cx="11385755" cy="2062103"/>
           </a:xfrm>
           <a:prstGeom prst="rect">
@@ -4809,6 +6809,47 @@
               <a:t>}</a:t>
             </a:r>
             <a:endParaRPr lang="it-IT" sz="4000" dirty="0"/>
+          </a:p>
+        </p:txBody>
+      </p:sp>
+      <p:sp>
+        <p:nvSpPr>
+          <p:cNvPr id="3" name="Rectangle 2"/>
+          <p:cNvSpPr/>
+          <p:nvPr/>
+        </p:nvSpPr>
+        <p:spPr>
+          <a:xfrm>
+            <a:off x="443866" y="984071"/>
+            <a:ext cx="2310889" cy="369332"/>
+          </a:xfrm>
+          <a:prstGeom prst="rect">
+            <a:avLst/>
+          </a:prstGeom>
+        </p:spPr>
+        <p:txBody>
+          <a:bodyPr wrap="none">
+            <a:spAutoFit/>
+          </a:bodyPr>
+          <a:lstStyle/>
+          <a:p>
+            <a:r>
+              <a:rPr lang="it-IT" dirty="0">
+                <a:hlinkClick r:id="rId3"/>
+              </a:rPr>
+              <a:t>https://</a:t>
+            </a:r>
+            <a:r>
+              <a:rPr lang="it-IT" dirty="0" smtClean="0">
+                <a:hlinkClick r:id="rId3"/>
+              </a:rPr>
+              <a:t>goo.gl/4QsYpF</a:t>
+            </a:r>
+            <a:r>
+              <a:rPr lang="it-IT" dirty="0" smtClean="0"/>
+              <a:t> </a:t>
+            </a:r>
+            <a:endParaRPr lang="it-IT" dirty="0"/>
           </a:p>
         </p:txBody>
       </p:sp>
@@ -5057,7 +7098,7 @@
 </p:sld>
 </file>
 
-<file path=ppt/slides/slide13.xml><?xml version="1.0" encoding="utf-8"?>
+<file path=ppt/slides/slide15.xml><?xml version="1.0" encoding="utf-8"?>
 <p:sld xmlns:a="http://schemas.openxmlformats.org/drawingml/2006/main" xmlns:r="http://schemas.openxmlformats.org/officeDocument/2006/relationships" xmlns:p="http://schemas.openxmlformats.org/presentationml/2006/main">
   <p:cSld>
     <p:spTree>
@@ -5839,7 +7880,7 @@
 </p:sld>
 </file>
 
-<file path=ppt/slides/slide14.xml><?xml version="1.0" encoding="utf-8"?>
+<file path=ppt/slides/slide16.xml><?xml version="1.0" encoding="utf-8"?>
 <p:sld xmlns:a="http://schemas.openxmlformats.org/drawingml/2006/main" xmlns:r="http://schemas.openxmlformats.org/officeDocument/2006/relationships" xmlns:p="http://schemas.openxmlformats.org/presentationml/2006/main">
   <p:cSld>
     <p:spTree>
@@ -6361,6 +8402,89 @@
           <a:chExt cx="0" cy="0"/>
         </a:xfrm>
       </p:grpSpPr>
+      <p:sp>
+        <p:nvSpPr>
+          <p:cNvPr id="2" name="Title 1"/>
+          <p:cNvSpPr>
+            <a:spLocks noGrp="1"/>
+          </p:cNvSpPr>
+          <p:nvPr>
+            <p:ph type="title"/>
+          </p:nvPr>
+        </p:nvSpPr>
+        <p:spPr/>
+        <p:txBody>
+          <a:bodyPr/>
+          <a:lstStyle/>
+          <a:p>
+            <a:r>
+              <a:rPr lang="it-IT" dirty="0" smtClean="0"/>
+              <a:t>Where is azure</a:t>
+            </a:r>
+            <a:endParaRPr lang="it-IT" dirty="0"/>
+          </a:p>
+        </p:txBody>
+      </p:sp>
+      <p:pic>
+        <p:nvPicPr>
+          <p:cNvPr id="5" name="Picture 4"/>
+          <p:cNvPicPr>
+            <a:picLocks noChangeAspect="1"/>
+          </p:cNvPicPr>
+          <p:nvPr/>
+        </p:nvPicPr>
+        <p:blipFill>
+          <a:blip r:embed="rId2" cstate="print">
+            <a:extLst>
+              <a:ext uri="{28A0092B-C50C-407E-A947-70E740481C1C}">
+                <a14:useLocalDpi xmlns:a14="http://schemas.microsoft.com/office/drawing/2010/main" val="0"/>
+              </a:ext>
+            </a:extLst>
+          </a:blip>
+          <a:stretch>
+            <a:fillRect/>
+          </a:stretch>
+        </p:blipFill>
+        <p:spPr>
+          <a:xfrm>
+            <a:off x="291830" y="1400175"/>
+            <a:ext cx="10428051" cy="5034793"/>
+          </a:xfrm>
+          <a:prstGeom prst="rect">
+            <a:avLst/>
+          </a:prstGeom>
+        </p:spPr>
+      </p:pic>
+    </p:spTree>
+    <p:extLst>
+      <p:ext uri="{BB962C8B-B14F-4D97-AF65-F5344CB8AC3E}">
+        <p14:creationId xmlns:p14="http://schemas.microsoft.com/office/powerpoint/2010/main" val="3162281671"/>
+      </p:ext>
+    </p:extLst>
+  </p:cSld>
+  <p:clrMapOvr>
+    <a:masterClrMapping/>
+  </p:clrMapOvr>
+</p:sld>
+</file>
+
+<file path=ppt/slides/slide5.xml><?xml version="1.0" encoding="utf-8"?>
+<p:sld xmlns:a="http://schemas.openxmlformats.org/drawingml/2006/main" xmlns:r="http://schemas.openxmlformats.org/officeDocument/2006/relationships" xmlns:p="http://schemas.openxmlformats.org/presentationml/2006/main">
+  <p:cSld>
+    <p:spTree>
+      <p:nvGrpSpPr>
+        <p:cNvPr id="1" name=""/>
+        <p:cNvGrpSpPr/>
+        <p:nvPr/>
+      </p:nvGrpSpPr>
+      <p:grpSpPr>
+        <a:xfrm>
+          <a:off x="0" y="0"/>
+          <a:ext cx="0" cy="0"/>
+          <a:chOff x="0" y="0"/>
+          <a:chExt cx="0" cy="0"/>
+        </a:xfrm>
+      </p:grpSpPr>
       <p:pic>
         <p:nvPicPr>
           <p:cNvPr id="4" name="Picture 3"/>
@@ -6566,7 +8690,7 @@
 </p:sld>
 </file>
 
-<file path=ppt/slides/slide5.xml><?xml version="1.0" encoding="utf-8"?>
+<file path=ppt/slides/slide6.xml><?xml version="1.0" encoding="utf-8"?>
 <p:sld xmlns:a="http://schemas.openxmlformats.org/drawingml/2006/main" xmlns:r="http://schemas.openxmlformats.org/officeDocument/2006/relationships" xmlns:p="http://schemas.openxmlformats.org/presentationml/2006/main">
   <p:cSld>
     <p:spTree>
@@ -6806,7 +8930,7 @@
 </p:sld>
 </file>
 
-<file path=ppt/slides/slide6.xml><?xml version="1.0" encoding="utf-8"?>
+<file path=ppt/slides/slide7.xml><?xml version="1.0" encoding="utf-8"?>
 <p:sld xmlns:a="http://schemas.openxmlformats.org/drawingml/2006/main" xmlns:r="http://schemas.openxmlformats.org/officeDocument/2006/relationships" xmlns:p="http://schemas.openxmlformats.org/presentationml/2006/main">
   <p:cSld>
     <p:spTree>
@@ -27230,8 +29354,8 @@
 </p:sld>
 </file>
 
-<file path=ppt/slides/slide7.xml><?xml version="1.0" encoding="utf-8"?>
-<p:sld xmlns:a="http://schemas.openxmlformats.org/drawingml/2006/main" xmlns:r="http://schemas.openxmlformats.org/officeDocument/2006/relationships" xmlns:p="http://schemas.openxmlformats.org/presentationml/2006/main">
+<file path=ppt/slides/slide8.xml><?xml version="1.0" encoding="utf-8"?>
+<p:sld xmlns:a="http://schemas.openxmlformats.org/drawingml/2006/main" xmlns:r="http://schemas.openxmlformats.org/officeDocument/2006/relationships" xmlns:p="http://schemas.openxmlformats.org/presentationml/2006/main" show="0">
   <p:cSld>
     <p:spTree>
       <p:nvGrpSpPr>
@@ -27472,6 +29596,14 @@
   <p:clrMapOvr>
     <a:masterClrMapping/>
   </p:clrMapOvr>
+  <mc:AlternateContent xmlns:mc="http://schemas.openxmlformats.org/markup-compatibility/2006">
+    <mc:Choice xmlns:p14="http://schemas.microsoft.com/office/powerpoint/2010/main" Requires="p14">
+      <p:transition spd="slow" p14:dur="2000"/>
+    </mc:Choice>
+    <mc:Fallback>
+      <p:transition spd="slow"/>
+    </mc:Fallback>
+  </mc:AlternateContent>
   <p:timing>
     <p:tnLst>
       <p:par>
@@ -27669,7 +29801,7 @@
 </p:sld>
 </file>
 
-<file path=ppt/slides/slide8.xml><?xml version="1.0" encoding="utf-8"?>
+<file path=ppt/slides/slide9.xml><?xml version="1.0" encoding="utf-8"?>
 <p:sld xmlns:a="http://schemas.openxmlformats.org/drawingml/2006/main" xmlns:r="http://schemas.openxmlformats.org/officeDocument/2006/relationships" xmlns:p="http://schemas.openxmlformats.org/presentationml/2006/main">
   <p:cSld>
     <p:spTree>
@@ -28299,1205 +30431,6 @@
     <p:extLst>
       <p:ext uri="{BB962C8B-B14F-4D97-AF65-F5344CB8AC3E}">
         <p14:creationId xmlns:p14="http://schemas.microsoft.com/office/powerpoint/2010/main" val="3381114223"/>
-      </p:ext>
-    </p:extLst>
-  </p:cSld>
-  <p:clrMapOvr>
-    <a:masterClrMapping/>
-  </p:clrMapOvr>
-  <p:timing>
-    <p:tnLst>
-      <p:par>
-        <p:cTn id="1" dur="indefinite" restart="never" nodeType="tmRoot"/>
-      </p:par>
-    </p:tnLst>
-  </p:timing>
-</p:sld>
-</file>
-
-<file path=ppt/slides/slide9.xml><?xml version="1.0" encoding="utf-8"?>
-<p:sld xmlns:a="http://schemas.openxmlformats.org/drawingml/2006/main" xmlns:r="http://schemas.openxmlformats.org/officeDocument/2006/relationships" xmlns:p="http://schemas.openxmlformats.org/presentationml/2006/main">
-  <p:cSld>
-    <p:spTree>
-      <p:nvGrpSpPr>
-        <p:cNvPr id="1" name=""/>
-        <p:cNvGrpSpPr/>
-        <p:nvPr/>
-      </p:nvGrpSpPr>
-      <p:grpSpPr>
-        <a:xfrm>
-          <a:off x="0" y="0"/>
-          <a:ext cx="0" cy="0"/>
-          <a:chOff x="0" y="0"/>
-          <a:chExt cx="0" cy="0"/>
-        </a:xfrm>
-      </p:grpSpPr>
-      <p:sp>
-        <p:nvSpPr>
-          <p:cNvPr id="5" name="Rectangle 4"/>
-          <p:cNvSpPr/>
-          <p:nvPr/>
-        </p:nvSpPr>
-        <p:spPr>
-          <a:xfrm>
-            <a:off x="304800" y="427703"/>
-            <a:ext cx="10741742" cy="1799304"/>
-          </a:xfrm>
-          <a:prstGeom prst="rect">
-            <a:avLst/>
-          </a:prstGeom>
-          <a:noFill/>
-          <a:ln w="9525" cap="flat" cmpd="sng" algn="ctr">
-            <a:solidFill>
-              <a:schemeClr val="dk1"/>
-            </a:solidFill>
-            <a:prstDash val="solid"/>
-            <a:round/>
-            <a:headEnd type="none" w="med" len="med"/>
-            <a:tailEnd type="none" w="med" len="med"/>
-          </a:ln>
-        </p:spPr>
-        <p:style>
-          <a:lnRef idx="0">
-            <a:scrgbClr r="0" g="0" b="0"/>
-          </a:lnRef>
-          <a:fillRef idx="0">
-            <a:scrgbClr r="0" g="0" b="0"/>
-          </a:fillRef>
-          <a:effectRef idx="0">
-            <a:scrgbClr r="0" g="0" b="0"/>
-          </a:effectRef>
-          <a:fontRef idx="minor">
-            <a:schemeClr val="dk1"/>
-          </a:fontRef>
-        </p:style>
-        <p:txBody>
-          <a:bodyPr rtlCol="0" anchor="ctr"/>
-          <a:lstStyle/>
-          <a:p>
-            <a:pPr lvl="0"/>
-            <a:r>
-              <a:rPr lang="it-IT" sz="1400" dirty="0">
-                <a:solidFill>
-                  <a:srgbClr val="0000FF"/>
-                </a:solidFill>
-                <a:latin typeface="Consolas" panose="020B0609020204030204" pitchFamily="49" charset="0"/>
-              </a:rPr>
-              <a:t>private</a:t>
-            </a:r>
-            <a:r>
-              <a:rPr lang="it-IT" sz="1400" dirty="0">
-                <a:solidFill>
-                  <a:srgbClr val="000000"/>
-                </a:solidFill>
-                <a:latin typeface="Consolas" panose="020B0609020204030204" pitchFamily="49" charset="0"/>
-              </a:rPr>
-              <a:t> </a:t>
-            </a:r>
-            <a:r>
-              <a:rPr lang="it-IT" sz="1400" dirty="0">
-                <a:solidFill>
-                  <a:srgbClr val="0000FF"/>
-                </a:solidFill>
-                <a:latin typeface="Consolas" panose="020B0609020204030204" pitchFamily="49" charset="0"/>
-              </a:rPr>
-              <a:t>static</a:t>
-            </a:r>
-            <a:r>
-              <a:rPr lang="it-IT" sz="1400" dirty="0">
-                <a:solidFill>
-                  <a:srgbClr val="000000"/>
-                </a:solidFill>
-                <a:latin typeface="Consolas" panose="020B0609020204030204" pitchFamily="49" charset="0"/>
-              </a:rPr>
-              <a:t> </a:t>
-            </a:r>
-            <a:r>
-              <a:rPr lang="it-IT" sz="1400" dirty="0">
-                <a:solidFill>
-                  <a:srgbClr val="0000FF"/>
-                </a:solidFill>
-                <a:latin typeface="Consolas" panose="020B0609020204030204" pitchFamily="49" charset="0"/>
-              </a:rPr>
-              <a:t>async</a:t>
-            </a:r>
-            <a:r>
-              <a:rPr lang="it-IT" sz="1400" dirty="0">
-                <a:solidFill>
-                  <a:srgbClr val="000000"/>
-                </a:solidFill>
-                <a:latin typeface="Consolas" panose="020B0609020204030204" pitchFamily="49" charset="0"/>
-              </a:rPr>
-              <a:t> </a:t>
-            </a:r>
-            <a:r>
-              <a:rPr lang="it-IT" sz="1400" dirty="0">
-                <a:solidFill>
-                  <a:srgbClr val="009999"/>
-                </a:solidFill>
-                <a:latin typeface="Consolas" panose="020B0609020204030204" pitchFamily="49" charset="0"/>
-              </a:rPr>
-              <a:t>Task</a:t>
-            </a:r>
-            <a:r>
-              <a:rPr lang="it-IT" sz="1400" dirty="0">
-                <a:solidFill>
-                  <a:srgbClr val="000000"/>
-                </a:solidFill>
-                <a:latin typeface="Consolas" panose="020B0609020204030204" pitchFamily="49" charset="0"/>
-              </a:rPr>
-              <a:t> SendDeviceToCloudMessagesAsync</a:t>
-            </a:r>
-            <a:r>
-              <a:rPr lang="it-IT" sz="1400" dirty="0" smtClean="0">
-                <a:solidFill>
-                  <a:srgbClr val="000000"/>
-                </a:solidFill>
-                <a:latin typeface="Consolas" panose="020B0609020204030204" pitchFamily="49" charset="0"/>
-              </a:rPr>
-              <a:t>() {</a:t>
-            </a:r>
-            <a:endParaRPr lang="it-IT" sz="1400" dirty="0">
-              <a:solidFill>
-                <a:srgbClr val="000000"/>
-              </a:solidFill>
-              <a:latin typeface="Consolas" panose="020B0609020204030204" pitchFamily="49" charset="0"/>
-            </a:endParaRPr>
-          </a:p>
-          <a:p>
-            <a:pPr lvl="0"/>
-            <a:r>
-              <a:rPr lang="it-IT" sz="1400" dirty="0" smtClean="0">
-                <a:solidFill>
-                  <a:srgbClr val="0000FF"/>
-                </a:solidFill>
-                <a:latin typeface="Consolas" panose="020B0609020204030204" pitchFamily="49" charset="0"/>
-              </a:rPr>
-              <a:t>   while</a:t>
-            </a:r>
-            <a:r>
-              <a:rPr lang="it-IT" sz="1400" dirty="0" smtClean="0">
-                <a:solidFill>
-                  <a:srgbClr val="000000"/>
-                </a:solidFill>
-                <a:latin typeface="Consolas" panose="020B0609020204030204" pitchFamily="49" charset="0"/>
-              </a:rPr>
-              <a:t> </a:t>
-            </a:r>
-            <a:r>
-              <a:rPr lang="it-IT" sz="1400" dirty="0">
-                <a:solidFill>
-                  <a:srgbClr val="000000"/>
-                </a:solidFill>
-                <a:latin typeface="Consolas" panose="020B0609020204030204" pitchFamily="49" charset="0"/>
-              </a:rPr>
-              <a:t>(</a:t>
-            </a:r>
-            <a:r>
-              <a:rPr lang="it-IT" sz="1400" dirty="0">
-                <a:solidFill>
-                  <a:srgbClr val="0000FF"/>
-                </a:solidFill>
-                <a:latin typeface="Consolas" panose="020B0609020204030204" pitchFamily="49" charset="0"/>
-              </a:rPr>
-              <a:t>true</a:t>
-            </a:r>
-            <a:r>
-              <a:rPr lang="it-IT" sz="1400" dirty="0" smtClean="0">
-                <a:solidFill>
-                  <a:srgbClr val="000000"/>
-                </a:solidFill>
-                <a:latin typeface="Consolas" panose="020B0609020204030204" pitchFamily="49" charset="0"/>
-              </a:rPr>
-              <a:t>) {</a:t>
-            </a:r>
-            <a:endParaRPr lang="it-IT" sz="1400" dirty="0">
-              <a:solidFill>
-                <a:srgbClr val="000000"/>
-              </a:solidFill>
-              <a:latin typeface="Consolas" panose="020B0609020204030204" pitchFamily="49" charset="0"/>
-            </a:endParaRPr>
-          </a:p>
-          <a:p>
-            <a:pPr lvl="0"/>
-            <a:r>
-              <a:rPr lang="it-IT" sz="1400" dirty="0">
-                <a:solidFill>
-                  <a:srgbClr val="000000"/>
-                </a:solidFill>
-                <a:latin typeface="Consolas" panose="020B0609020204030204" pitchFamily="49" charset="0"/>
-              </a:rPr>
-              <a:t>   </a:t>
-            </a:r>
-            <a:r>
-              <a:rPr lang="it-IT" sz="1400" dirty="0" smtClean="0">
-                <a:solidFill>
-                  <a:srgbClr val="000000"/>
-                </a:solidFill>
-                <a:latin typeface="Consolas" panose="020B0609020204030204" pitchFamily="49" charset="0"/>
-              </a:rPr>
-              <a:t>   </a:t>
-            </a:r>
-            <a:r>
-              <a:rPr lang="it-IT" sz="1400" dirty="0" smtClean="0">
-                <a:solidFill>
-                  <a:srgbClr val="0000FF"/>
-                </a:solidFill>
-                <a:latin typeface="Consolas" panose="020B0609020204030204" pitchFamily="49" charset="0"/>
-              </a:rPr>
-              <a:t>var</a:t>
-            </a:r>
-            <a:r>
-              <a:rPr lang="it-IT" sz="1400" dirty="0" smtClean="0">
-                <a:solidFill>
-                  <a:srgbClr val="000000"/>
-                </a:solidFill>
-                <a:latin typeface="Consolas" panose="020B0609020204030204" pitchFamily="49" charset="0"/>
-              </a:rPr>
-              <a:t> </a:t>
-            </a:r>
-            <a:r>
-              <a:rPr lang="it-IT" sz="1400" dirty="0">
-                <a:solidFill>
-                  <a:srgbClr val="000000"/>
-                </a:solidFill>
-                <a:latin typeface="Consolas" panose="020B0609020204030204" pitchFamily="49" charset="0"/>
-              </a:rPr>
-              <a:t>telemetryDataPoint = </a:t>
-            </a:r>
-            <a:r>
-              <a:rPr lang="it-IT" sz="1400" dirty="0" smtClean="0">
-                <a:solidFill>
-                  <a:srgbClr val="0000FF"/>
-                </a:solidFill>
-                <a:latin typeface="Consolas" panose="020B0609020204030204" pitchFamily="49" charset="0"/>
-              </a:rPr>
-              <a:t>...</a:t>
-            </a:r>
-            <a:r>
-              <a:rPr lang="it-IT" sz="1400" dirty="0" smtClean="0">
-                <a:solidFill>
-                  <a:srgbClr val="000000"/>
-                </a:solidFill>
-                <a:latin typeface="Consolas" panose="020B0609020204030204" pitchFamily="49" charset="0"/>
-              </a:rPr>
-              <a:t> </a:t>
-            </a:r>
-          </a:p>
-          <a:p>
-            <a:pPr lvl="0"/>
-            <a:r>
-              <a:rPr lang="it-IT" sz="1400" dirty="0">
-                <a:solidFill>
-                  <a:srgbClr val="000000"/>
-                </a:solidFill>
-                <a:latin typeface="Consolas" panose="020B0609020204030204" pitchFamily="49" charset="0"/>
-              </a:rPr>
-              <a:t> </a:t>
-            </a:r>
-            <a:r>
-              <a:rPr lang="it-IT" sz="1400" dirty="0" smtClean="0">
-                <a:solidFill>
-                  <a:srgbClr val="000000"/>
-                </a:solidFill>
-                <a:latin typeface="Consolas" panose="020B0609020204030204" pitchFamily="49" charset="0"/>
-              </a:rPr>
-              <a:t>     </a:t>
-            </a:r>
-            <a:r>
-              <a:rPr lang="it-IT" sz="1400" dirty="0" smtClean="0">
-                <a:solidFill>
-                  <a:srgbClr val="0000FF"/>
-                </a:solidFill>
-                <a:latin typeface="Consolas" panose="020B0609020204030204" pitchFamily="49" charset="0"/>
-              </a:rPr>
-              <a:t>var</a:t>
-            </a:r>
-            <a:r>
-              <a:rPr lang="it-IT" sz="1400" dirty="0" smtClean="0">
-                <a:solidFill>
-                  <a:srgbClr val="000000"/>
-                </a:solidFill>
-                <a:latin typeface="Consolas" panose="020B0609020204030204" pitchFamily="49" charset="0"/>
-              </a:rPr>
-              <a:t> </a:t>
-            </a:r>
-            <a:r>
-              <a:rPr lang="it-IT" sz="1400" dirty="0">
-                <a:solidFill>
-                  <a:srgbClr val="000000"/>
-                </a:solidFill>
-                <a:latin typeface="Consolas" panose="020B0609020204030204" pitchFamily="49" charset="0"/>
-              </a:rPr>
-              <a:t>message = </a:t>
-            </a:r>
-            <a:r>
-              <a:rPr lang="it-IT" sz="1400" dirty="0">
-                <a:solidFill>
-                  <a:srgbClr val="0000FF"/>
-                </a:solidFill>
-                <a:latin typeface="Consolas" panose="020B0609020204030204" pitchFamily="49" charset="0"/>
-              </a:rPr>
-              <a:t>new</a:t>
-            </a:r>
-            <a:r>
-              <a:rPr lang="it-IT" sz="1400" dirty="0">
-                <a:solidFill>
-                  <a:srgbClr val="000000"/>
-                </a:solidFill>
-                <a:latin typeface="Consolas" panose="020B0609020204030204" pitchFamily="49" charset="0"/>
-              </a:rPr>
-              <a:t> </a:t>
-            </a:r>
-            <a:r>
-              <a:rPr lang="it-IT" sz="1400" dirty="0" smtClean="0">
-                <a:solidFill>
-                  <a:srgbClr val="000000"/>
-                </a:solidFill>
-                <a:latin typeface="Consolas" panose="020B0609020204030204" pitchFamily="49" charset="0"/>
-              </a:rPr>
-              <a:t>Message(Encoding.ASCII.GetBytes(</a:t>
-            </a:r>
-            <a:r>
-              <a:rPr lang="it-IT" sz="1400" dirty="0">
-                <a:solidFill>
-                  <a:srgbClr val="000000"/>
-                </a:solidFill>
-                <a:latin typeface="Consolas" panose="020B0609020204030204" pitchFamily="49" charset="0"/>
-              </a:rPr>
-              <a:t>JsonConvert.SerializeObject(telemetryDataPoint</a:t>
-            </a:r>
-            <a:r>
-              <a:rPr lang="it-IT" sz="1400" dirty="0" smtClean="0">
-                <a:solidFill>
-                  <a:srgbClr val="000000"/>
-                </a:solidFill>
-                <a:latin typeface="Consolas" panose="020B0609020204030204" pitchFamily="49" charset="0"/>
-              </a:rPr>
-              <a:t>)));</a:t>
-            </a:r>
-            <a:endParaRPr lang="it-IT" sz="1400" dirty="0">
-              <a:solidFill>
-                <a:srgbClr val="000000"/>
-              </a:solidFill>
-              <a:latin typeface="Consolas" panose="020B0609020204030204" pitchFamily="49" charset="0"/>
-            </a:endParaRPr>
-          </a:p>
-          <a:p>
-            <a:pPr lvl="0"/>
-            <a:r>
-              <a:rPr lang="it-IT" sz="1400" dirty="0">
-                <a:solidFill>
-                  <a:srgbClr val="000000"/>
-                </a:solidFill>
-                <a:latin typeface="Consolas" panose="020B0609020204030204" pitchFamily="49" charset="0"/>
-              </a:rPr>
-              <a:t>     </a:t>
-            </a:r>
-            <a:r>
-              <a:rPr lang="it-IT" sz="1400" dirty="0" smtClean="0">
-                <a:solidFill>
-                  <a:srgbClr val="000000"/>
-                </a:solidFill>
-                <a:latin typeface="Consolas" panose="020B0609020204030204" pitchFamily="49" charset="0"/>
-              </a:rPr>
-              <a:t> </a:t>
-            </a:r>
-            <a:r>
-              <a:rPr lang="it-IT" sz="1400" dirty="0" smtClean="0">
-                <a:solidFill>
-                  <a:srgbClr val="0000FF"/>
-                </a:solidFill>
-                <a:latin typeface="Consolas" panose="020B0609020204030204" pitchFamily="49" charset="0"/>
-              </a:rPr>
-              <a:t>await</a:t>
-            </a:r>
-            <a:r>
-              <a:rPr lang="it-IT" sz="1400" dirty="0" smtClean="0">
-                <a:solidFill>
-                  <a:srgbClr val="000000"/>
-                </a:solidFill>
-                <a:latin typeface="Consolas" panose="020B0609020204030204" pitchFamily="49" charset="0"/>
-              </a:rPr>
-              <a:t> </a:t>
-            </a:r>
-            <a:r>
-              <a:rPr lang="it-IT" sz="1400" dirty="0">
-                <a:solidFill>
-                  <a:srgbClr val="000000"/>
-                </a:solidFill>
-                <a:latin typeface="Consolas" panose="020B0609020204030204" pitchFamily="49" charset="0"/>
-              </a:rPr>
-              <a:t>deviceClient.SendEventAsync(message</a:t>
-            </a:r>
-            <a:r>
-              <a:rPr lang="it-IT" sz="1400" dirty="0" smtClean="0">
-                <a:solidFill>
-                  <a:srgbClr val="000000"/>
-                </a:solidFill>
-                <a:latin typeface="Consolas" panose="020B0609020204030204" pitchFamily="49" charset="0"/>
-              </a:rPr>
-              <a:t>);</a:t>
-            </a:r>
-            <a:endParaRPr lang="it-IT" sz="1400" dirty="0">
-              <a:solidFill>
-                <a:srgbClr val="000000"/>
-              </a:solidFill>
-              <a:latin typeface="Consolas" panose="020B0609020204030204" pitchFamily="49" charset="0"/>
-            </a:endParaRPr>
-          </a:p>
-          <a:p>
-            <a:pPr lvl="0"/>
-            <a:r>
-              <a:rPr lang="it-IT" sz="1400" dirty="0" smtClean="0">
-                <a:solidFill>
-                  <a:srgbClr val="0000FF"/>
-                </a:solidFill>
-                <a:latin typeface="Consolas" panose="020B0609020204030204" pitchFamily="49" charset="0"/>
-              </a:rPr>
-              <a:t>      await</a:t>
-            </a:r>
-            <a:r>
-              <a:rPr lang="it-IT" sz="1400" dirty="0" smtClean="0">
-                <a:solidFill>
-                  <a:srgbClr val="000000"/>
-                </a:solidFill>
-                <a:latin typeface="Consolas" panose="020B0609020204030204" pitchFamily="49" charset="0"/>
-              </a:rPr>
-              <a:t> </a:t>
-            </a:r>
-            <a:r>
-              <a:rPr lang="it-IT" sz="1400" dirty="0">
-                <a:solidFill>
-                  <a:srgbClr val="000000"/>
-                </a:solidFill>
-                <a:latin typeface="Consolas" panose="020B0609020204030204" pitchFamily="49" charset="0"/>
-              </a:rPr>
-              <a:t>Task.Delay(3000);</a:t>
-            </a:r>
-          </a:p>
-          <a:p>
-            <a:pPr lvl="0"/>
-            <a:r>
-              <a:rPr lang="it-IT" sz="1400" dirty="0" smtClean="0">
-                <a:solidFill>
-                  <a:srgbClr val="000000"/>
-                </a:solidFill>
-                <a:latin typeface="Consolas" panose="020B0609020204030204" pitchFamily="49" charset="0"/>
-              </a:rPr>
-              <a:t>   }</a:t>
-            </a:r>
-            <a:endParaRPr lang="it-IT" sz="1400" dirty="0">
-              <a:solidFill>
-                <a:srgbClr val="000000"/>
-              </a:solidFill>
-              <a:latin typeface="Consolas" panose="020B0609020204030204" pitchFamily="49" charset="0"/>
-            </a:endParaRPr>
-          </a:p>
-          <a:p>
-            <a:pPr lvl="0"/>
-            <a:r>
-              <a:rPr lang="it-IT" sz="1400" dirty="0" smtClean="0">
-                <a:solidFill>
-                  <a:srgbClr val="000000"/>
-                </a:solidFill>
-                <a:latin typeface="Consolas" panose="020B0609020204030204" pitchFamily="49" charset="0"/>
-              </a:rPr>
-              <a:t>}</a:t>
-            </a:r>
-            <a:endParaRPr lang="it-IT" sz="1400" dirty="0">
-              <a:solidFill>
-                <a:prstClr val="black"/>
-              </a:solidFill>
-            </a:endParaRPr>
-          </a:p>
-        </p:txBody>
-      </p:sp>
-      <p:sp>
-        <p:nvSpPr>
-          <p:cNvPr id="7" name="Rectangle 6"/>
-          <p:cNvSpPr/>
-          <p:nvPr/>
-        </p:nvSpPr>
-        <p:spPr>
-          <a:xfrm>
-            <a:off x="304800" y="2601929"/>
-            <a:ext cx="7718323" cy="2246769"/>
-          </a:xfrm>
-          <a:prstGeom prst="rect">
-            <a:avLst/>
-          </a:prstGeom>
-          <a:noFill/>
-          <a:ln w="9525" cap="flat" cmpd="sng" algn="ctr">
-            <a:solidFill>
-              <a:schemeClr val="dk1"/>
-            </a:solidFill>
-            <a:prstDash val="solid"/>
-            <a:round/>
-            <a:headEnd type="none" w="med" len="med"/>
-            <a:tailEnd type="none" w="med" len="med"/>
-          </a:ln>
-        </p:spPr>
-        <p:style>
-          <a:lnRef idx="0">
-            <a:scrgbClr r="0" g="0" b="0"/>
-          </a:lnRef>
-          <a:fillRef idx="0">
-            <a:scrgbClr r="0" g="0" b="0"/>
-          </a:fillRef>
-          <a:effectRef idx="0">
-            <a:scrgbClr r="0" g="0" b="0"/>
-          </a:effectRef>
-          <a:fontRef idx="minor">
-            <a:schemeClr val="dk1"/>
-          </a:fontRef>
-        </p:style>
-        <p:txBody>
-          <a:bodyPr wrap="square">
-            <a:spAutoFit/>
-          </a:bodyPr>
-          <a:lstStyle/>
-          <a:p>
-            <a:r>
-              <a:rPr lang="en-US" sz="1400" dirty="0">
-                <a:solidFill>
-                  <a:srgbClr val="0000FF"/>
-                </a:solidFill>
-                <a:latin typeface="Consolas" panose="020B0609020204030204" pitchFamily="49" charset="0"/>
-              </a:rPr>
-              <a:t>private</a:t>
-            </a:r>
-            <a:r>
-              <a:rPr lang="en-US" sz="1400" dirty="0">
-                <a:solidFill>
-                  <a:srgbClr val="000000"/>
-                </a:solidFill>
-                <a:latin typeface="Consolas" panose="020B0609020204030204" pitchFamily="49" charset="0"/>
-              </a:rPr>
-              <a:t> </a:t>
-            </a:r>
-            <a:r>
-              <a:rPr lang="en-US" sz="1400" dirty="0">
-                <a:solidFill>
-                  <a:srgbClr val="0000FF"/>
-                </a:solidFill>
-                <a:latin typeface="Consolas" panose="020B0609020204030204" pitchFamily="49" charset="0"/>
-              </a:rPr>
-              <a:t>static</a:t>
-            </a:r>
-            <a:r>
-              <a:rPr lang="en-US" sz="1400" dirty="0">
-                <a:solidFill>
-                  <a:srgbClr val="000000"/>
-                </a:solidFill>
-                <a:latin typeface="Consolas" panose="020B0609020204030204" pitchFamily="49" charset="0"/>
-              </a:rPr>
-              <a:t> </a:t>
-            </a:r>
-            <a:r>
-              <a:rPr lang="en-US" sz="1400" dirty="0" err="1">
-                <a:solidFill>
-                  <a:srgbClr val="0000FF"/>
-                </a:solidFill>
-                <a:latin typeface="Consolas" panose="020B0609020204030204" pitchFamily="49" charset="0"/>
-              </a:rPr>
-              <a:t>async</a:t>
-            </a:r>
-            <a:r>
-              <a:rPr lang="en-US" sz="1400" dirty="0">
-                <a:solidFill>
-                  <a:srgbClr val="000000"/>
-                </a:solidFill>
-                <a:latin typeface="Consolas" panose="020B0609020204030204" pitchFamily="49" charset="0"/>
-              </a:rPr>
-              <a:t> </a:t>
-            </a:r>
-            <a:r>
-              <a:rPr lang="en-US" sz="1400" dirty="0">
-                <a:solidFill>
-                  <a:srgbClr val="009999"/>
-                </a:solidFill>
-                <a:latin typeface="Consolas" panose="020B0609020204030204" pitchFamily="49" charset="0"/>
-              </a:rPr>
-              <a:t>Task</a:t>
-            </a:r>
-            <a:r>
-              <a:rPr lang="en-US" sz="1400" dirty="0">
-                <a:solidFill>
-                  <a:srgbClr val="000000"/>
-                </a:solidFill>
-                <a:latin typeface="Consolas" panose="020B0609020204030204" pitchFamily="49" charset="0"/>
-              </a:rPr>
-              <a:t> ReceiveC2dAsync</a:t>
-            </a:r>
-            <a:r>
-              <a:rPr lang="en-US" sz="1400" dirty="0" smtClean="0">
-                <a:solidFill>
-                  <a:srgbClr val="000000"/>
-                </a:solidFill>
-                <a:latin typeface="Consolas" panose="020B0609020204030204" pitchFamily="49" charset="0"/>
-              </a:rPr>
-              <a:t>() </a:t>
-            </a:r>
-            <a:r>
-              <a:rPr lang="it-IT" sz="1400" dirty="0" smtClean="0">
-                <a:solidFill>
-                  <a:srgbClr val="000000"/>
-                </a:solidFill>
-                <a:latin typeface="Consolas" panose="020B0609020204030204" pitchFamily="49" charset="0"/>
-              </a:rPr>
-              <a:t>{</a:t>
-            </a:r>
-          </a:p>
-          <a:p>
-            <a:r>
-              <a:rPr lang="it-IT" sz="1400" dirty="0">
-                <a:solidFill>
-                  <a:srgbClr val="0000FF"/>
-                </a:solidFill>
-                <a:latin typeface="Consolas" panose="020B0609020204030204" pitchFamily="49" charset="0"/>
-              </a:rPr>
-              <a:t> </a:t>
-            </a:r>
-            <a:r>
-              <a:rPr lang="it-IT" sz="1400" dirty="0" smtClean="0">
-                <a:solidFill>
-                  <a:srgbClr val="0000FF"/>
-                </a:solidFill>
-                <a:latin typeface="Consolas" panose="020B0609020204030204" pitchFamily="49" charset="0"/>
-              </a:rPr>
-              <a:t>  while</a:t>
-            </a:r>
-            <a:r>
-              <a:rPr lang="it-IT" sz="1400" dirty="0" smtClean="0">
-                <a:solidFill>
-                  <a:srgbClr val="000000"/>
-                </a:solidFill>
-                <a:latin typeface="Consolas" panose="020B0609020204030204" pitchFamily="49" charset="0"/>
-              </a:rPr>
-              <a:t> </a:t>
-            </a:r>
-            <a:r>
-              <a:rPr lang="it-IT" sz="1400" dirty="0">
-                <a:solidFill>
-                  <a:srgbClr val="000000"/>
-                </a:solidFill>
-                <a:latin typeface="Consolas" panose="020B0609020204030204" pitchFamily="49" charset="0"/>
-              </a:rPr>
-              <a:t>(</a:t>
-            </a:r>
-            <a:r>
-              <a:rPr lang="it-IT" sz="1400" dirty="0">
-                <a:solidFill>
-                  <a:srgbClr val="0000FF"/>
-                </a:solidFill>
-                <a:latin typeface="Consolas" panose="020B0609020204030204" pitchFamily="49" charset="0"/>
-              </a:rPr>
-              <a:t>true</a:t>
-            </a:r>
-            <a:r>
-              <a:rPr lang="it-IT" sz="1400" dirty="0" smtClean="0">
-                <a:solidFill>
-                  <a:srgbClr val="000000"/>
-                </a:solidFill>
-                <a:latin typeface="Consolas" panose="020B0609020204030204" pitchFamily="49" charset="0"/>
-              </a:rPr>
-              <a:t>) {</a:t>
-            </a:r>
-            <a:endParaRPr lang="it-IT" sz="1400" dirty="0">
-              <a:solidFill>
-                <a:srgbClr val="000000"/>
-              </a:solidFill>
-              <a:latin typeface="Consolas" panose="020B0609020204030204" pitchFamily="49" charset="0"/>
-            </a:endParaRPr>
-          </a:p>
-          <a:p>
-            <a:r>
-              <a:rPr lang="it-IT" sz="1400" dirty="0" smtClean="0">
-                <a:solidFill>
-                  <a:srgbClr val="000000"/>
-                </a:solidFill>
-                <a:latin typeface="Consolas" panose="020B0609020204030204" pitchFamily="49" charset="0"/>
-              </a:rPr>
-              <a:t>      Message </a:t>
-            </a:r>
-            <a:r>
-              <a:rPr lang="it-IT" sz="1400" dirty="0">
-                <a:solidFill>
-                  <a:srgbClr val="000000"/>
-                </a:solidFill>
-                <a:latin typeface="Consolas" panose="020B0609020204030204" pitchFamily="49" charset="0"/>
-              </a:rPr>
-              <a:t>receivedMessage = </a:t>
-            </a:r>
-            <a:r>
-              <a:rPr lang="it-IT" sz="1400" dirty="0">
-                <a:solidFill>
-                  <a:srgbClr val="0000FF"/>
-                </a:solidFill>
-                <a:latin typeface="Consolas" panose="020B0609020204030204" pitchFamily="49" charset="0"/>
-              </a:rPr>
-              <a:t>await</a:t>
-            </a:r>
-            <a:r>
-              <a:rPr lang="it-IT" sz="1400" dirty="0">
-                <a:solidFill>
-                  <a:srgbClr val="000000"/>
-                </a:solidFill>
-                <a:latin typeface="Consolas" panose="020B0609020204030204" pitchFamily="49" charset="0"/>
-              </a:rPr>
-              <a:t> deviceClient.ReceiveAsync();</a:t>
-            </a:r>
-          </a:p>
-          <a:p>
-            <a:r>
-              <a:rPr lang="it-IT" sz="1400" dirty="0" smtClean="0">
-                <a:solidFill>
-                  <a:srgbClr val="0000FF"/>
-                </a:solidFill>
-                <a:latin typeface="Consolas" panose="020B0609020204030204" pitchFamily="49" charset="0"/>
-              </a:rPr>
-              <a:t>      if</a:t>
-            </a:r>
-            <a:r>
-              <a:rPr lang="it-IT" sz="1400" dirty="0" smtClean="0">
-                <a:solidFill>
-                  <a:srgbClr val="000000"/>
-                </a:solidFill>
-                <a:latin typeface="Consolas" panose="020B0609020204030204" pitchFamily="49" charset="0"/>
-              </a:rPr>
-              <a:t> </a:t>
-            </a:r>
-            <a:r>
-              <a:rPr lang="it-IT" sz="1400" dirty="0">
-                <a:solidFill>
-                  <a:srgbClr val="000000"/>
-                </a:solidFill>
-                <a:latin typeface="Consolas" panose="020B0609020204030204" pitchFamily="49" charset="0"/>
-              </a:rPr>
-              <a:t>(receivedMessage == </a:t>
-            </a:r>
-            <a:r>
-              <a:rPr lang="it-IT" sz="1400" dirty="0">
-                <a:solidFill>
-                  <a:srgbClr val="0000FF"/>
-                </a:solidFill>
-                <a:latin typeface="Consolas" panose="020B0609020204030204" pitchFamily="49" charset="0"/>
-              </a:rPr>
-              <a:t>null</a:t>
-            </a:r>
-            <a:r>
-              <a:rPr lang="it-IT" sz="1400" dirty="0">
-                <a:solidFill>
-                  <a:srgbClr val="000000"/>
-                </a:solidFill>
-                <a:latin typeface="Consolas" panose="020B0609020204030204" pitchFamily="49" charset="0"/>
-              </a:rPr>
-              <a:t>) </a:t>
-            </a:r>
-            <a:r>
-              <a:rPr lang="it-IT" sz="1400" dirty="0">
-                <a:solidFill>
-                  <a:srgbClr val="0000FF"/>
-                </a:solidFill>
-                <a:latin typeface="Consolas" panose="020B0609020204030204" pitchFamily="49" charset="0"/>
-              </a:rPr>
-              <a:t>continue</a:t>
-            </a:r>
-            <a:r>
-              <a:rPr lang="it-IT" sz="1400" dirty="0">
-                <a:solidFill>
-                  <a:srgbClr val="000000"/>
-                </a:solidFill>
-                <a:latin typeface="Consolas" panose="020B0609020204030204" pitchFamily="49" charset="0"/>
-              </a:rPr>
-              <a:t>;</a:t>
-            </a:r>
-          </a:p>
-          <a:p>
-            <a:endParaRPr lang="it-IT" sz="1400" dirty="0">
-              <a:solidFill>
-                <a:srgbClr val="000000"/>
-              </a:solidFill>
-              <a:latin typeface="Consolas" panose="020B0609020204030204" pitchFamily="49" charset="0"/>
-            </a:endParaRPr>
-          </a:p>
-          <a:p>
-            <a:r>
-              <a:rPr lang="it-IT" sz="1400" dirty="0">
-                <a:solidFill>
-                  <a:srgbClr val="000000"/>
-                </a:solidFill>
-                <a:latin typeface="Consolas" panose="020B0609020204030204" pitchFamily="49" charset="0"/>
-              </a:rPr>
-              <a:t>      </a:t>
-            </a:r>
-            <a:r>
-              <a:rPr lang="it-IT" sz="1400" dirty="0" smtClean="0">
-                <a:solidFill>
-                  <a:srgbClr val="0000FF"/>
-                </a:solidFill>
-                <a:latin typeface="Consolas" panose="020B0609020204030204" pitchFamily="49" charset="0"/>
-              </a:rPr>
-              <a:t>string</a:t>
-            </a:r>
-            <a:r>
-              <a:rPr lang="it-IT" sz="1400" dirty="0" smtClean="0">
-                <a:solidFill>
-                  <a:srgbClr val="000000"/>
-                </a:solidFill>
-                <a:latin typeface="Consolas" panose="020B0609020204030204" pitchFamily="49" charset="0"/>
-              </a:rPr>
-              <a:t> </a:t>
-            </a:r>
-            <a:r>
-              <a:rPr lang="it-IT" sz="1400" dirty="0">
-                <a:solidFill>
-                  <a:srgbClr val="000000"/>
-                </a:solidFill>
-                <a:latin typeface="Consolas" panose="020B0609020204030204" pitchFamily="49" charset="0"/>
-              </a:rPr>
-              <a:t>content = Encoding.ASCII.GetString(receivedMessage.GetBytes());</a:t>
-            </a:r>
-          </a:p>
-          <a:p>
-            <a:r>
-              <a:rPr lang="it-IT" sz="1400" dirty="0" smtClean="0">
-                <a:solidFill>
-                  <a:srgbClr val="000000"/>
-                </a:solidFill>
-                <a:latin typeface="Consolas" panose="020B0609020204030204" pitchFamily="49" charset="0"/>
-              </a:rPr>
-              <a:t>      ...</a:t>
-            </a:r>
-            <a:endParaRPr lang="it-IT" sz="1400" dirty="0">
-              <a:solidFill>
-                <a:srgbClr val="000000"/>
-              </a:solidFill>
-              <a:latin typeface="Consolas" panose="020B0609020204030204" pitchFamily="49" charset="0"/>
-            </a:endParaRPr>
-          </a:p>
-          <a:p>
-            <a:r>
-              <a:rPr lang="it-IT" sz="1400" dirty="0" smtClean="0">
-                <a:solidFill>
-                  <a:srgbClr val="0000FF"/>
-                </a:solidFill>
-                <a:latin typeface="Consolas" panose="020B0609020204030204" pitchFamily="49" charset="0"/>
-              </a:rPr>
-              <a:t>      await</a:t>
-            </a:r>
-            <a:r>
-              <a:rPr lang="it-IT" sz="1400" dirty="0" smtClean="0">
-                <a:solidFill>
-                  <a:srgbClr val="000000"/>
-                </a:solidFill>
-                <a:latin typeface="Consolas" panose="020B0609020204030204" pitchFamily="49" charset="0"/>
-              </a:rPr>
-              <a:t> </a:t>
-            </a:r>
-            <a:r>
-              <a:rPr lang="it-IT" sz="1400" dirty="0">
-                <a:solidFill>
-                  <a:srgbClr val="000000"/>
-                </a:solidFill>
-                <a:latin typeface="Consolas" panose="020B0609020204030204" pitchFamily="49" charset="0"/>
-              </a:rPr>
-              <a:t>deviceClient.CompleteAsync(receivedMessage);</a:t>
-            </a:r>
-          </a:p>
-          <a:p>
-            <a:r>
-              <a:rPr lang="it-IT" sz="1400" dirty="0" smtClean="0">
-                <a:solidFill>
-                  <a:srgbClr val="000000"/>
-                </a:solidFill>
-                <a:latin typeface="Consolas" panose="020B0609020204030204" pitchFamily="49" charset="0"/>
-              </a:rPr>
-              <a:t>   }</a:t>
-            </a:r>
-            <a:endParaRPr lang="it-IT" sz="1400" dirty="0">
-              <a:solidFill>
-                <a:srgbClr val="000000"/>
-              </a:solidFill>
-              <a:latin typeface="Consolas" panose="020B0609020204030204" pitchFamily="49" charset="0"/>
-            </a:endParaRPr>
-          </a:p>
-          <a:p>
-            <a:r>
-              <a:rPr lang="it-IT" sz="1400" dirty="0" smtClean="0">
-                <a:solidFill>
-                  <a:srgbClr val="000000"/>
-                </a:solidFill>
-                <a:latin typeface="Consolas" panose="020B0609020204030204" pitchFamily="49" charset="0"/>
-              </a:rPr>
-              <a:t>}</a:t>
-            </a:r>
-            <a:endParaRPr lang="it-IT" sz="1400" dirty="0"/>
-          </a:p>
-        </p:txBody>
-      </p:sp>
-      <p:sp>
-        <p:nvSpPr>
-          <p:cNvPr id="9" name="Rectangle 8"/>
-          <p:cNvSpPr/>
-          <p:nvPr/>
-        </p:nvSpPr>
-        <p:spPr>
-          <a:xfrm>
-            <a:off x="304800" y="5223620"/>
-            <a:ext cx="10129684" cy="738664"/>
-          </a:xfrm>
-          <a:prstGeom prst="rect">
-            <a:avLst/>
-          </a:prstGeom>
-          <a:noFill/>
-          <a:ln w="9525" cap="flat" cmpd="sng" algn="ctr">
-            <a:solidFill>
-              <a:schemeClr val="dk1"/>
-            </a:solidFill>
-            <a:prstDash val="solid"/>
-            <a:round/>
-            <a:headEnd type="none" w="med" len="med"/>
-            <a:tailEnd type="none" w="med" len="med"/>
-          </a:ln>
-        </p:spPr>
-        <p:style>
-          <a:lnRef idx="0">
-            <a:scrgbClr r="0" g="0" b="0"/>
-          </a:lnRef>
-          <a:fillRef idx="0">
-            <a:scrgbClr r="0" g="0" b="0"/>
-          </a:fillRef>
-          <a:effectRef idx="0">
-            <a:scrgbClr r="0" g="0" b="0"/>
-          </a:effectRef>
-          <a:fontRef idx="minor">
-            <a:schemeClr val="dk1"/>
-          </a:fontRef>
-        </p:style>
-        <p:txBody>
-          <a:bodyPr wrap="square">
-            <a:spAutoFit/>
-          </a:bodyPr>
-          <a:lstStyle/>
-          <a:p>
-            <a:r>
-              <a:rPr lang="en-US" sz="1400" dirty="0">
-                <a:solidFill>
-                  <a:srgbClr val="0000FF"/>
-                </a:solidFill>
-                <a:latin typeface="Consolas" panose="020B0609020204030204" pitchFamily="49" charset="0"/>
-              </a:rPr>
-              <a:t>public</a:t>
-            </a:r>
-            <a:r>
-              <a:rPr lang="en-US" sz="1400" dirty="0">
-                <a:solidFill>
-                  <a:srgbClr val="000000"/>
-                </a:solidFill>
-                <a:latin typeface="Consolas" panose="020B0609020204030204" pitchFamily="49" charset="0"/>
-              </a:rPr>
-              <a:t> </a:t>
-            </a:r>
-            <a:r>
-              <a:rPr lang="en-US" sz="1400" dirty="0">
-                <a:solidFill>
-                  <a:srgbClr val="0000FF"/>
-                </a:solidFill>
-                <a:latin typeface="Consolas" panose="020B0609020204030204" pitchFamily="49" charset="0"/>
-              </a:rPr>
-              <a:t>static</a:t>
-            </a:r>
-            <a:r>
-              <a:rPr lang="en-US" sz="1400" dirty="0">
-                <a:solidFill>
-                  <a:srgbClr val="000000"/>
-                </a:solidFill>
-                <a:latin typeface="Consolas" panose="020B0609020204030204" pitchFamily="49" charset="0"/>
-              </a:rPr>
-              <a:t> </a:t>
-            </a:r>
-            <a:r>
-              <a:rPr lang="en-US" sz="1400" dirty="0">
-                <a:solidFill>
-                  <a:srgbClr val="009999"/>
-                </a:solidFill>
-                <a:latin typeface="Consolas" panose="020B0609020204030204" pitchFamily="49" charset="0"/>
-              </a:rPr>
-              <a:t>Task</a:t>
-            </a:r>
-            <a:r>
-              <a:rPr lang="en-US" sz="1400" dirty="0">
-                <a:solidFill>
-                  <a:srgbClr val="000000"/>
-                </a:solidFill>
-                <a:latin typeface="Consolas" panose="020B0609020204030204" pitchFamily="49" charset="0"/>
-              </a:rPr>
-              <a:t>&lt;</a:t>
-            </a:r>
-            <a:r>
-              <a:rPr lang="en-US" sz="1400" dirty="0" err="1">
-                <a:solidFill>
-                  <a:srgbClr val="009999"/>
-                </a:solidFill>
-                <a:latin typeface="Consolas" panose="020B0609020204030204" pitchFamily="49" charset="0"/>
-              </a:rPr>
-              <a:t>MethodResponse</a:t>
-            </a:r>
-            <a:r>
-              <a:rPr lang="en-US" sz="1400" dirty="0">
-                <a:solidFill>
-                  <a:srgbClr val="000000"/>
-                </a:solidFill>
-                <a:latin typeface="Consolas" panose="020B0609020204030204" pitchFamily="49" charset="0"/>
-              </a:rPr>
-              <a:t>&gt; </a:t>
-            </a:r>
-            <a:r>
-              <a:rPr lang="it-IT" sz="1400" dirty="0">
-                <a:solidFill>
-                  <a:srgbClr val="000000"/>
-                </a:solidFill>
-                <a:latin typeface="Consolas" panose="020B0609020204030204" pitchFamily="49" charset="0"/>
-              </a:rPr>
-              <a:t>DeviceMethod</a:t>
-            </a:r>
-            <a:r>
-              <a:rPr lang="en-US" sz="1400" dirty="0" smtClean="0">
-                <a:solidFill>
-                  <a:srgbClr val="000000"/>
-                </a:solidFill>
-                <a:latin typeface="Consolas" panose="020B0609020204030204" pitchFamily="49" charset="0"/>
-              </a:rPr>
-              <a:t>(</a:t>
-            </a:r>
-            <a:r>
-              <a:rPr lang="en-US" sz="1400" dirty="0" err="1" smtClean="0">
-                <a:solidFill>
-                  <a:srgbClr val="009999"/>
-                </a:solidFill>
-                <a:latin typeface="Consolas" panose="020B0609020204030204" pitchFamily="49" charset="0"/>
-              </a:rPr>
-              <a:t>MethodRequest</a:t>
-            </a:r>
-            <a:r>
-              <a:rPr lang="en-US" sz="1400" dirty="0" smtClean="0">
-                <a:solidFill>
-                  <a:srgbClr val="000000"/>
-                </a:solidFill>
-                <a:latin typeface="Consolas" panose="020B0609020204030204" pitchFamily="49" charset="0"/>
-              </a:rPr>
-              <a:t> </a:t>
-            </a:r>
-            <a:r>
-              <a:rPr lang="en-US" sz="1400" dirty="0" err="1">
-                <a:solidFill>
-                  <a:srgbClr val="000000"/>
-                </a:solidFill>
-                <a:latin typeface="Consolas" panose="020B0609020204030204" pitchFamily="49" charset="0"/>
-              </a:rPr>
-              <a:t>methodRequest</a:t>
-            </a:r>
-            <a:r>
-              <a:rPr lang="en-US" sz="1400" dirty="0">
-                <a:solidFill>
-                  <a:srgbClr val="000000"/>
-                </a:solidFill>
-                <a:latin typeface="Consolas" panose="020B0609020204030204" pitchFamily="49" charset="0"/>
-              </a:rPr>
-              <a:t>, </a:t>
-            </a:r>
-            <a:r>
-              <a:rPr lang="en-US" sz="1400" dirty="0">
-                <a:solidFill>
-                  <a:srgbClr val="0000FF"/>
-                </a:solidFill>
-                <a:latin typeface="Consolas" panose="020B0609020204030204" pitchFamily="49" charset="0"/>
-              </a:rPr>
-              <a:t>object</a:t>
-            </a:r>
-            <a:r>
-              <a:rPr lang="en-US" sz="1400" dirty="0">
-                <a:solidFill>
-                  <a:srgbClr val="000000"/>
-                </a:solidFill>
-                <a:latin typeface="Consolas" panose="020B0609020204030204" pitchFamily="49" charset="0"/>
-              </a:rPr>
-              <a:t> </a:t>
-            </a:r>
-            <a:r>
-              <a:rPr lang="en-US" sz="1400" dirty="0" err="1">
-                <a:solidFill>
-                  <a:srgbClr val="000000"/>
-                </a:solidFill>
-                <a:latin typeface="Consolas" panose="020B0609020204030204" pitchFamily="49" charset="0"/>
-              </a:rPr>
-              <a:t>userContext</a:t>
-            </a:r>
-            <a:r>
-              <a:rPr lang="en-US" sz="1400" dirty="0" smtClean="0">
-                <a:solidFill>
-                  <a:srgbClr val="000000"/>
-                </a:solidFill>
-                <a:latin typeface="Consolas" panose="020B0609020204030204" pitchFamily="49" charset="0"/>
-              </a:rPr>
-              <a:t>)</a:t>
-            </a:r>
-            <a:r>
-              <a:rPr lang="it-IT" sz="1400" dirty="0" smtClean="0">
-                <a:solidFill>
-                  <a:srgbClr val="000000"/>
-                </a:solidFill>
-                <a:latin typeface="Consolas" panose="020B0609020204030204" pitchFamily="49" charset="0"/>
-              </a:rPr>
-              <a:t> {</a:t>
-            </a:r>
-            <a:endParaRPr lang="it-IT" sz="1400" dirty="0" smtClean="0"/>
-          </a:p>
-          <a:p>
-            <a:r>
-              <a:rPr lang="it-IT" sz="1400" dirty="0">
-                <a:solidFill>
-                  <a:srgbClr val="000000"/>
-                </a:solidFill>
-                <a:latin typeface="Consolas" panose="020B0609020204030204" pitchFamily="49" charset="0"/>
-              </a:rPr>
-              <a:t> </a:t>
-            </a:r>
-            <a:r>
-              <a:rPr lang="it-IT" sz="1400" dirty="0" smtClean="0">
-                <a:solidFill>
-                  <a:srgbClr val="000000"/>
-                </a:solidFill>
-                <a:latin typeface="Consolas" panose="020B0609020204030204" pitchFamily="49" charset="0"/>
-              </a:rPr>
-              <a:t>  ...</a:t>
-            </a:r>
-          </a:p>
-          <a:p>
-            <a:r>
-              <a:rPr lang="it-IT" sz="1400" dirty="0">
-                <a:solidFill>
-                  <a:srgbClr val="000000"/>
-                </a:solidFill>
-                <a:latin typeface="Consolas" panose="020B0609020204030204" pitchFamily="49" charset="0"/>
-              </a:rPr>
-              <a:t>}</a:t>
-            </a:r>
-            <a:endParaRPr lang="it-IT" sz="1400" dirty="0" smtClean="0">
-              <a:solidFill>
-                <a:srgbClr val="000000"/>
-              </a:solidFill>
-              <a:latin typeface="Consolas" panose="020B0609020204030204" pitchFamily="49" charset="0"/>
-            </a:endParaRPr>
-          </a:p>
-        </p:txBody>
-      </p:sp>
-    </p:spTree>
-    <p:extLst>
-      <p:ext uri="{BB962C8B-B14F-4D97-AF65-F5344CB8AC3E}">
-        <p14:creationId xmlns:p14="http://schemas.microsoft.com/office/powerpoint/2010/main" val="4233522010"/>
       </p:ext>
     </p:extLst>
   </p:cSld>
@@ -29845,4 +30778,265 @@
     </a:ext>
   </a:extLst>
 </a:theme>
+</file>
+
+<file path=ppt/theme/theme2.xml><?xml version="1.0" encoding="utf-8"?>
+<a:theme xmlns:a="http://schemas.openxmlformats.org/drawingml/2006/main" name="Office Theme">
+  <a:themeElements>
+    <a:clrScheme name="Office">
+      <a:dk1>
+        <a:sysClr val="windowText" lastClr="000000"/>
+      </a:dk1>
+      <a:lt1>
+        <a:sysClr val="window" lastClr="FFFFFF"/>
+      </a:lt1>
+      <a:dk2>
+        <a:srgbClr val="44546A"/>
+      </a:dk2>
+      <a:lt2>
+        <a:srgbClr val="E7E6E6"/>
+      </a:lt2>
+      <a:accent1>
+        <a:srgbClr val="5B9BD5"/>
+      </a:accent1>
+      <a:accent2>
+        <a:srgbClr val="ED7D31"/>
+      </a:accent2>
+      <a:accent3>
+        <a:srgbClr val="A5A5A5"/>
+      </a:accent3>
+      <a:accent4>
+        <a:srgbClr val="FFC000"/>
+      </a:accent4>
+      <a:accent5>
+        <a:srgbClr val="4472C4"/>
+      </a:accent5>
+      <a:accent6>
+        <a:srgbClr val="70AD47"/>
+      </a:accent6>
+      <a:hlink>
+        <a:srgbClr val="0563C1"/>
+      </a:hlink>
+      <a:folHlink>
+        <a:srgbClr val="954F72"/>
+      </a:folHlink>
+    </a:clrScheme>
+    <a:fontScheme name="Office">
+      <a:majorFont>
+        <a:latin typeface="Calibri Light" panose="020F0302020204030204"/>
+        <a:ea typeface=""/>
+        <a:cs typeface=""/>
+        <a:font script="Jpan" typeface="游ゴシック Light"/>
+        <a:font script="Hang" typeface="맑은 고딕"/>
+        <a:font script="Hans" typeface="等线 Light"/>
+        <a:font script="Hant" typeface="新細明體"/>
+        <a:font script="Arab" typeface="Times New Roman"/>
+        <a:font script="Hebr" typeface="Times New Roman"/>
+        <a:font script="Thai" typeface="Angsana New"/>
+        <a:font script="Ethi" typeface="Nyala"/>
+        <a:font script="Beng" typeface="Vrinda"/>
+        <a:font script="Gujr" typeface="Shruti"/>
+        <a:font script="Khmr" typeface="MoolBoran"/>
+        <a:font script="Knda" typeface="Tunga"/>
+        <a:font script="Guru" typeface="Raavi"/>
+        <a:font script="Cans" typeface="Euphemia"/>
+        <a:font script="Cher" typeface="Plantagenet Cherokee"/>
+        <a:font script="Yiii" typeface="Microsoft Yi Baiti"/>
+        <a:font script="Tibt" typeface="Microsoft Himalaya"/>
+        <a:font script="Thaa" typeface="MV Boli"/>
+        <a:font script="Deva" typeface="Mangal"/>
+        <a:font script="Telu" typeface="Gautami"/>
+        <a:font script="Taml" typeface="Latha"/>
+        <a:font script="Syrc" typeface="Estrangelo Edessa"/>
+        <a:font script="Orya" typeface="Kalinga"/>
+        <a:font script="Mlym" typeface="Kartika"/>
+        <a:font script="Laoo" typeface="DokChampa"/>
+        <a:font script="Sinh" typeface="Iskoola Pota"/>
+        <a:font script="Mong" typeface="Mongolian Baiti"/>
+        <a:font script="Viet" typeface="Times New Roman"/>
+        <a:font script="Uigh" typeface="Microsoft Uighur"/>
+        <a:font script="Geor" typeface="Sylfaen"/>
+      </a:majorFont>
+      <a:minorFont>
+        <a:latin typeface="Calibri" panose="020F0502020204030204"/>
+        <a:ea typeface=""/>
+        <a:cs typeface=""/>
+        <a:font script="Jpan" typeface="游ゴシック"/>
+        <a:font script="Hang" typeface="맑은 고딕"/>
+        <a:font script="Hans" typeface="等线"/>
+        <a:font script="Hant" typeface="新細明體"/>
+        <a:font script="Arab" typeface="Arial"/>
+        <a:font script="Hebr" typeface="Arial"/>
+        <a:font script="Thai" typeface="Cordia New"/>
+        <a:font script="Ethi" typeface="Nyala"/>
+        <a:font script="Beng" typeface="Vrinda"/>
+        <a:font script="Gujr" typeface="Shruti"/>
+        <a:font script="Khmr" typeface="DaunPenh"/>
+        <a:font script="Knda" typeface="Tunga"/>
+        <a:font script="Guru" typeface="Raavi"/>
+        <a:font script="Cans" typeface="Euphemia"/>
+        <a:font script="Cher" typeface="Plantagenet Cherokee"/>
+        <a:font script="Yiii" typeface="Microsoft Yi Baiti"/>
+        <a:font script="Tibt" typeface="Microsoft Himalaya"/>
+        <a:font script="Thaa" typeface="MV Boli"/>
+        <a:font script="Deva" typeface="Mangal"/>
+        <a:font script="Telu" typeface="Gautami"/>
+        <a:font script="Taml" typeface="Latha"/>
+        <a:font script="Syrc" typeface="Estrangelo Edessa"/>
+        <a:font script="Orya" typeface="Kalinga"/>
+        <a:font script="Mlym" typeface="Kartika"/>
+        <a:font script="Laoo" typeface="DokChampa"/>
+        <a:font script="Sinh" typeface="Iskoola Pota"/>
+        <a:font script="Mong" typeface="Mongolian Baiti"/>
+        <a:font script="Viet" typeface="Arial"/>
+        <a:font script="Uigh" typeface="Microsoft Uighur"/>
+        <a:font script="Geor" typeface="Sylfaen"/>
+      </a:minorFont>
+    </a:fontScheme>
+    <a:fmtScheme name="Office">
+      <a:fillStyleLst>
+        <a:solidFill>
+          <a:schemeClr val="phClr"/>
+        </a:solidFill>
+        <a:gradFill rotWithShape="1">
+          <a:gsLst>
+            <a:gs pos="0">
+              <a:schemeClr val="phClr">
+                <a:lumMod val="110000"/>
+                <a:satMod val="105000"/>
+                <a:tint val="67000"/>
+              </a:schemeClr>
+            </a:gs>
+            <a:gs pos="50000">
+              <a:schemeClr val="phClr">
+                <a:lumMod val="105000"/>
+                <a:satMod val="103000"/>
+                <a:tint val="73000"/>
+              </a:schemeClr>
+            </a:gs>
+            <a:gs pos="100000">
+              <a:schemeClr val="phClr">
+                <a:lumMod val="105000"/>
+                <a:satMod val="109000"/>
+                <a:tint val="81000"/>
+              </a:schemeClr>
+            </a:gs>
+          </a:gsLst>
+          <a:lin ang="5400000" scaled="0"/>
+        </a:gradFill>
+        <a:gradFill rotWithShape="1">
+          <a:gsLst>
+            <a:gs pos="0">
+              <a:schemeClr val="phClr">
+                <a:satMod val="103000"/>
+                <a:lumMod val="102000"/>
+                <a:tint val="94000"/>
+              </a:schemeClr>
+            </a:gs>
+            <a:gs pos="50000">
+              <a:schemeClr val="phClr">
+                <a:satMod val="110000"/>
+                <a:lumMod val="100000"/>
+                <a:shade val="100000"/>
+              </a:schemeClr>
+            </a:gs>
+            <a:gs pos="100000">
+              <a:schemeClr val="phClr">
+                <a:lumMod val="99000"/>
+                <a:satMod val="120000"/>
+                <a:shade val="78000"/>
+              </a:schemeClr>
+            </a:gs>
+          </a:gsLst>
+          <a:lin ang="5400000" scaled="0"/>
+        </a:gradFill>
+      </a:fillStyleLst>
+      <a:lnStyleLst>
+        <a:ln w="6350" cap="flat" cmpd="sng" algn="ctr">
+          <a:solidFill>
+            <a:schemeClr val="phClr"/>
+          </a:solidFill>
+          <a:prstDash val="solid"/>
+          <a:miter lim="800000"/>
+        </a:ln>
+        <a:ln w="12700" cap="flat" cmpd="sng" algn="ctr">
+          <a:solidFill>
+            <a:schemeClr val="phClr"/>
+          </a:solidFill>
+          <a:prstDash val="solid"/>
+          <a:miter lim="800000"/>
+        </a:ln>
+        <a:ln w="19050" cap="flat" cmpd="sng" algn="ctr">
+          <a:solidFill>
+            <a:schemeClr val="phClr"/>
+          </a:solidFill>
+          <a:prstDash val="solid"/>
+          <a:miter lim="800000"/>
+        </a:ln>
+      </a:lnStyleLst>
+      <a:effectStyleLst>
+        <a:effectStyle>
+          <a:effectLst/>
+        </a:effectStyle>
+        <a:effectStyle>
+          <a:effectLst/>
+        </a:effectStyle>
+        <a:effectStyle>
+          <a:effectLst>
+            <a:outerShdw blurRad="57150" dist="19050" dir="5400000" algn="ctr" rotWithShape="0">
+              <a:srgbClr val="000000">
+                <a:alpha val="63000"/>
+              </a:srgbClr>
+            </a:outerShdw>
+          </a:effectLst>
+        </a:effectStyle>
+      </a:effectStyleLst>
+      <a:bgFillStyleLst>
+        <a:solidFill>
+          <a:schemeClr val="phClr"/>
+        </a:solidFill>
+        <a:solidFill>
+          <a:schemeClr val="phClr">
+            <a:tint val="95000"/>
+            <a:satMod val="170000"/>
+          </a:schemeClr>
+        </a:solidFill>
+        <a:gradFill rotWithShape="1">
+          <a:gsLst>
+            <a:gs pos="0">
+              <a:schemeClr val="phClr">
+                <a:tint val="93000"/>
+                <a:satMod val="150000"/>
+                <a:shade val="98000"/>
+                <a:lumMod val="102000"/>
+              </a:schemeClr>
+            </a:gs>
+            <a:gs pos="50000">
+              <a:schemeClr val="phClr">
+                <a:tint val="98000"/>
+                <a:satMod val="130000"/>
+                <a:shade val="90000"/>
+                <a:lumMod val="103000"/>
+              </a:schemeClr>
+            </a:gs>
+            <a:gs pos="100000">
+              <a:schemeClr val="phClr">
+                <a:shade val="63000"/>
+                <a:satMod val="120000"/>
+              </a:schemeClr>
+            </a:gs>
+          </a:gsLst>
+          <a:lin ang="5400000" scaled="0"/>
+        </a:gradFill>
+      </a:bgFillStyleLst>
+    </a:fmtScheme>
+  </a:themeElements>
+  <a:objectDefaults/>
+  <a:extraClrSchemeLst/>
+  <a:extLst>
+    <a:ext uri="{05A4C25C-085E-4340-85A3-A5531E510DB2}">
+      <thm15:themeFamily xmlns:thm15="http://schemas.microsoft.com/office/thememl/2012/main" name="Office Theme" id="{62F939B6-93AF-4DB8-9C6B-D6C7DFDC589F}" vid="{4A3C46E8-61CC-4603-A589-7422A47A8E4A}"/>
+    </a:ext>
+  </a:extLst>
+</a:theme>
 </file>